--- a/Pari.pptx
+++ b/Pari.pptx
@@ -5,17 +5,19 @@
     <p:sldMasterId id="2147483648" r:id="rId1"/>
   </p:sldMasterIdLst>
   <p:sldIdLst>
-    <p:sldId id="264" r:id="rId2"/>
-    <p:sldId id="256" r:id="rId3"/>
-    <p:sldId id="257" r:id="rId4"/>
-    <p:sldId id="258" r:id="rId5"/>
-    <p:sldId id="265" r:id="rId6"/>
-    <p:sldId id="266" r:id="rId7"/>
-    <p:sldId id="270" r:id="rId8"/>
-    <p:sldId id="267" r:id="rId9"/>
-    <p:sldId id="268" r:id="rId10"/>
-    <p:sldId id="271" r:id="rId11"/>
-    <p:sldId id="272" r:id="rId12"/>
+    <p:sldId id="274" r:id="rId2"/>
+    <p:sldId id="273" r:id="rId3"/>
+    <p:sldId id="264" r:id="rId4"/>
+    <p:sldId id="256" r:id="rId5"/>
+    <p:sldId id="257" r:id="rId6"/>
+    <p:sldId id="258" r:id="rId7"/>
+    <p:sldId id="265" r:id="rId8"/>
+    <p:sldId id="266" r:id="rId9"/>
+    <p:sldId id="270" r:id="rId10"/>
+    <p:sldId id="267" r:id="rId11"/>
+    <p:sldId id="268" r:id="rId12"/>
+    <p:sldId id="271" r:id="rId13"/>
+    <p:sldId id="272" r:id="rId14"/>
   </p:sldIdLst>
   <p:sldSz cx="12192000" cy="6858000"/>
   <p:notesSz cx="6858000" cy="9144000"/>
@@ -271,7 +273,7 @@
           <a:p>
             <a:fld id="{6901CC64-0C07-43B7-8E09-C271CEB326C8}" type="datetimeFigureOut">
               <a:rPr lang="en-IN" smtClean="0"/>
-              <a:t>30-10-2018</a:t>
+              <a:t>13-11-2018</a:t>
             </a:fld>
             <a:endParaRPr lang="en-IN"/>
           </a:p>
@@ -471,7 +473,7 @@
           <a:p>
             <a:fld id="{6901CC64-0C07-43B7-8E09-C271CEB326C8}" type="datetimeFigureOut">
               <a:rPr lang="en-IN" smtClean="0"/>
-              <a:t>30-10-2018</a:t>
+              <a:t>13-11-2018</a:t>
             </a:fld>
             <a:endParaRPr lang="en-IN"/>
           </a:p>
@@ -681,7 +683,7 @@
           <a:p>
             <a:fld id="{6901CC64-0C07-43B7-8E09-C271CEB326C8}" type="datetimeFigureOut">
               <a:rPr lang="en-IN" smtClean="0"/>
-              <a:t>30-10-2018</a:t>
+              <a:t>13-11-2018</a:t>
             </a:fld>
             <a:endParaRPr lang="en-IN"/>
           </a:p>
@@ -881,7 +883,7 @@
           <a:p>
             <a:fld id="{6901CC64-0C07-43B7-8E09-C271CEB326C8}" type="datetimeFigureOut">
               <a:rPr lang="en-IN" smtClean="0"/>
-              <a:t>30-10-2018</a:t>
+              <a:t>13-11-2018</a:t>
             </a:fld>
             <a:endParaRPr lang="en-IN"/>
           </a:p>
@@ -1157,7 +1159,7 @@
           <a:p>
             <a:fld id="{6901CC64-0C07-43B7-8E09-C271CEB326C8}" type="datetimeFigureOut">
               <a:rPr lang="en-IN" smtClean="0"/>
-              <a:t>30-10-2018</a:t>
+              <a:t>13-11-2018</a:t>
             </a:fld>
             <a:endParaRPr lang="en-IN"/>
           </a:p>
@@ -1425,7 +1427,7 @@
           <a:p>
             <a:fld id="{6901CC64-0C07-43B7-8E09-C271CEB326C8}" type="datetimeFigureOut">
               <a:rPr lang="en-IN" smtClean="0"/>
-              <a:t>30-10-2018</a:t>
+              <a:t>13-11-2018</a:t>
             </a:fld>
             <a:endParaRPr lang="en-IN"/>
           </a:p>
@@ -1840,7 +1842,7 @@
           <a:p>
             <a:fld id="{6901CC64-0C07-43B7-8E09-C271CEB326C8}" type="datetimeFigureOut">
               <a:rPr lang="en-IN" smtClean="0"/>
-              <a:t>30-10-2018</a:t>
+              <a:t>13-11-2018</a:t>
             </a:fld>
             <a:endParaRPr lang="en-IN"/>
           </a:p>
@@ -1982,7 +1984,7 @@
           <a:p>
             <a:fld id="{6901CC64-0C07-43B7-8E09-C271CEB326C8}" type="datetimeFigureOut">
               <a:rPr lang="en-IN" smtClean="0"/>
-              <a:t>30-10-2018</a:t>
+              <a:t>13-11-2018</a:t>
             </a:fld>
             <a:endParaRPr lang="en-IN"/>
           </a:p>
@@ -2095,7 +2097,7 @@
           <a:p>
             <a:fld id="{6901CC64-0C07-43B7-8E09-C271CEB326C8}" type="datetimeFigureOut">
               <a:rPr lang="en-IN" smtClean="0"/>
-              <a:t>30-10-2018</a:t>
+              <a:t>13-11-2018</a:t>
             </a:fld>
             <a:endParaRPr lang="en-IN"/>
           </a:p>
@@ -2408,7 +2410,7 @@
           <a:p>
             <a:fld id="{6901CC64-0C07-43B7-8E09-C271CEB326C8}" type="datetimeFigureOut">
               <a:rPr lang="en-IN" smtClean="0"/>
-              <a:t>30-10-2018</a:t>
+              <a:t>13-11-2018</a:t>
             </a:fld>
             <a:endParaRPr lang="en-IN"/>
           </a:p>
@@ -2697,7 +2699,7 @@
           <a:p>
             <a:fld id="{6901CC64-0C07-43B7-8E09-C271CEB326C8}" type="datetimeFigureOut">
               <a:rPr lang="en-IN" smtClean="0"/>
-              <a:t>30-10-2018</a:t>
+              <a:t>13-11-2018</a:t>
             </a:fld>
             <a:endParaRPr lang="en-IN"/>
           </a:p>
@@ -2940,7 +2942,7 @@
           <a:p>
             <a:fld id="{6901CC64-0C07-43B7-8E09-C271CEB326C8}" type="datetimeFigureOut">
               <a:rPr lang="en-IN" smtClean="0"/>
-              <a:t>30-10-2018</a:t>
+              <a:t>13-11-2018</a:t>
             </a:fld>
             <a:endParaRPr lang="en-IN"/>
           </a:p>
@@ -3357,6 +3359,1102 @@
           <a:chExt cx="0" cy="0"/>
         </a:xfrm>
       </p:grpSpPr>
+      <p:pic>
+        <p:nvPicPr>
+          <p:cNvPr id="6" name="Picture 5">
+            <a:extLst>
+              <a:ext uri="{FF2B5EF4-FFF2-40B4-BE49-F238E27FC236}">
+                <a16:creationId xmlns:a16="http://schemas.microsoft.com/office/drawing/2014/main" id="{42570C69-EF60-4333-B6FB-4FA1FB0A8EF1}"/>
+              </a:ext>
+            </a:extLst>
+          </p:cNvPr>
+          <p:cNvPicPr>
+            <a:picLocks noChangeAspect="1"/>
+          </p:cNvPicPr>
+          <p:nvPr/>
+        </p:nvPicPr>
+        <p:blipFill>
+          <a:blip r:embed="rId2">
+            <a:extLst>
+              <a:ext uri="{28A0092B-C50C-407E-A947-70E740481C1C}">
+                <a14:useLocalDpi xmlns:a14="http://schemas.microsoft.com/office/drawing/2010/main" val="0"/>
+              </a:ext>
+            </a:extLst>
+          </a:blip>
+          <a:stretch>
+            <a:fillRect/>
+          </a:stretch>
+        </p:blipFill>
+        <p:spPr>
+          <a:xfrm>
+            <a:off x="0" y="0"/>
+            <a:ext cx="12192000" cy="6858000"/>
+          </a:xfrm>
+          <a:prstGeom prst="rect">
+            <a:avLst/>
+          </a:prstGeom>
+        </p:spPr>
+      </p:pic>
+      <p:sp>
+        <p:nvSpPr>
+          <p:cNvPr id="2" name="Title 1">
+            <a:extLst>
+              <a:ext uri="{FF2B5EF4-FFF2-40B4-BE49-F238E27FC236}">
+                <a16:creationId xmlns:a16="http://schemas.microsoft.com/office/drawing/2014/main" id="{6275A676-4F85-44A9-B4FB-2CCD7DAFA9EF}"/>
+              </a:ext>
+            </a:extLst>
+          </p:cNvPr>
+          <p:cNvSpPr>
+            <a:spLocks noGrp="1"/>
+          </p:cNvSpPr>
+          <p:nvPr>
+            <p:ph type="title"/>
+          </p:nvPr>
+        </p:nvSpPr>
+        <p:spPr>
+          <a:xfrm>
+            <a:off x="1367161" y="2831976"/>
+            <a:ext cx="8788893" cy="3222594"/>
+          </a:xfrm>
+        </p:spPr>
+        <p:txBody>
+          <a:bodyPr>
+            <a:normAutofit/>
+          </a:bodyPr>
+          <a:lstStyle/>
+          <a:p>
+            <a:r>
+              <a:rPr lang="en-IN" sz="2800" dirty="0"/>
+              <a:t>Name: </a:t>
+            </a:r>
+            <a:r>
+              <a:rPr lang="en-IN" sz="2800" b="1" dirty="0"/>
+              <a:t>Abhinav A.S</a:t>
+            </a:r>
+            <a:br>
+              <a:rPr lang="en-IN" sz="2800" dirty="0"/>
+            </a:br>
+            <a:r>
+              <a:rPr lang="en-IN" sz="2800" dirty="0"/>
+              <a:t>Reg. No.: </a:t>
+            </a:r>
+            <a:r>
+              <a:rPr lang="en-IN" sz="2800" b="1" dirty="0"/>
+              <a:t>17BCE0673</a:t>
+            </a:r>
+            <a:br>
+              <a:rPr lang="en-IN" sz="2800" dirty="0"/>
+            </a:br>
+            <a:r>
+              <a:rPr lang="en-IN" sz="2800" dirty="0"/>
+              <a:t>Type: </a:t>
+            </a:r>
+            <a:r>
+              <a:rPr lang="en-IN" sz="2800" b="1" dirty="0"/>
+              <a:t>Hackathon</a:t>
+            </a:r>
+            <a:br>
+              <a:rPr lang="en-IN" sz="2800" dirty="0"/>
+            </a:br>
+            <a:r>
+              <a:rPr lang="en-IN" sz="2800" dirty="0"/>
+              <a:t>Position: </a:t>
+            </a:r>
+            <a:r>
+              <a:rPr lang="en-IN" sz="2800" b="1" u="sng" dirty="0"/>
+              <a:t>Qualified in top 10</a:t>
+            </a:r>
+            <a:br>
+              <a:rPr lang="en-IN" sz="2800" dirty="0"/>
+            </a:br>
+            <a:r>
+              <a:rPr lang="en-IN" sz="2800" dirty="0"/>
+              <a:t>Product Name:</a:t>
+            </a:r>
+            <a:r>
+              <a:rPr lang="en-IN" sz="2800" b="1" dirty="0"/>
+              <a:t> Pari </a:t>
+            </a:r>
+            <a:r>
+              <a:rPr lang="en-IN" sz="2800" dirty="0"/>
+              <a:t>(A web app with both backend and front-end completed which helps during coordination of relief materials after a disaster.</a:t>
+            </a:r>
+            <a:br>
+              <a:rPr lang="en-IN" sz="2800" dirty="0"/>
+            </a:br>
+            <a:r>
+              <a:rPr lang="en-IN" sz="2800" dirty="0"/>
+              <a:t>Certificate Attached in next page.</a:t>
+            </a:r>
+          </a:p>
+        </p:txBody>
+      </p:sp>
+      <p:sp>
+        <p:nvSpPr>
+          <p:cNvPr id="4" name="TextBox 3">
+            <a:extLst>
+              <a:ext uri="{FF2B5EF4-FFF2-40B4-BE49-F238E27FC236}">
+                <a16:creationId xmlns:a16="http://schemas.microsoft.com/office/drawing/2014/main" id="{D882A147-B2FE-43EB-A293-A7E0EE283ACF}"/>
+              </a:ext>
+            </a:extLst>
+          </p:cNvPr>
+          <p:cNvSpPr txBox="1"/>
+          <p:nvPr/>
+        </p:nvSpPr>
+        <p:spPr>
+          <a:xfrm>
+            <a:off x="1447060" y="1429305"/>
+            <a:ext cx="8957569" cy="707886"/>
+          </a:xfrm>
+          <a:prstGeom prst="rect">
+            <a:avLst/>
+          </a:prstGeom>
+          <a:noFill/>
+        </p:spPr>
+        <p:txBody>
+          <a:bodyPr wrap="square" rtlCol="0">
+            <a:spAutoFit/>
+          </a:bodyPr>
+          <a:lstStyle/>
+          <a:p>
+            <a:pPr algn="ctr"/>
+            <a:r>
+              <a:rPr lang="en-IN" sz="4000" dirty="0"/>
+              <a:t>Additional Learning</a:t>
+            </a:r>
+          </a:p>
+        </p:txBody>
+      </p:sp>
+    </p:spTree>
+    <p:extLst>
+      <p:ext uri="{BB962C8B-B14F-4D97-AF65-F5344CB8AC3E}">
+        <p14:creationId xmlns:p14="http://schemas.microsoft.com/office/powerpoint/2010/main" val="793192791"/>
+      </p:ext>
+    </p:extLst>
+  </p:cSld>
+  <p:clrMapOvr>
+    <a:masterClrMapping/>
+  </p:clrMapOvr>
+</p:sld>
+</file>
+
+<file path=ppt/slides/slide10.xml><?xml version="1.0" encoding="utf-8"?>
+<p:sld xmlns:a="http://schemas.openxmlformats.org/drawingml/2006/main" xmlns:r="http://schemas.openxmlformats.org/officeDocument/2006/relationships" xmlns:p="http://schemas.openxmlformats.org/presentationml/2006/main">
+  <p:cSld>
+    <p:spTree>
+      <p:nvGrpSpPr>
+        <p:cNvPr id="1" name=""/>
+        <p:cNvGrpSpPr/>
+        <p:nvPr/>
+      </p:nvGrpSpPr>
+      <p:grpSpPr>
+        <a:xfrm>
+          <a:off x="0" y="0"/>
+          <a:ext cx="0" cy="0"/>
+          <a:chOff x="0" y="0"/>
+          <a:chExt cx="0" cy="0"/>
+        </a:xfrm>
+      </p:grpSpPr>
+      <p:pic>
+        <p:nvPicPr>
+          <p:cNvPr id="16" name="Picture 15">
+            <a:extLst>
+              <a:ext uri="{FF2B5EF4-FFF2-40B4-BE49-F238E27FC236}">
+                <a16:creationId xmlns:a16="http://schemas.microsoft.com/office/drawing/2014/main" id="{F60A8A09-95BB-48DB-A955-7C25AFFA8256}"/>
+              </a:ext>
+            </a:extLst>
+          </p:cNvPr>
+          <p:cNvPicPr>
+            <a:picLocks noChangeAspect="1"/>
+          </p:cNvPicPr>
+          <p:nvPr/>
+        </p:nvPicPr>
+        <p:blipFill>
+          <a:blip r:embed="rId2">
+            <a:extLst>
+              <a:ext uri="{28A0092B-C50C-407E-A947-70E740481C1C}">
+                <a14:useLocalDpi xmlns:a14="http://schemas.microsoft.com/office/drawing/2010/main" val="0"/>
+              </a:ext>
+            </a:extLst>
+          </a:blip>
+          <a:stretch>
+            <a:fillRect/>
+          </a:stretch>
+        </p:blipFill>
+        <p:spPr>
+          <a:xfrm>
+            <a:off x="0" y="0"/>
+            <a:ext cx="12192000" cy="6858000"/>
+          </a:xfrm>
+          <a:prstGeom prst="rect">
+            <a:avLst/>
+          </a:prstGeom>
+        </p:spPr>
+      </p:pic>
+      <p:sp>
+        <p:nvSpPr>
+          <p:cNvPr id="2" name="Title 1">
+            <a:extLst>
+              <a:ext uri="{FF2B5EF4-FFF2-40B4-BE49-F238E27FC236}">
+                <a16:creationId xmlns:a16="http://schemas.microsoft.com/office/drawing/2014/main" id="{2E45C00F-36E1-4B98-AABB-51FB4EB138DF}"/>
+              </a:ext>
+            </a:extLst>
+          </p:cNvPr>
+          <p:cNvSpPr>
+            <a:spLocks noGrp="1"/>
+          </p:cNvSpPr>
+          <p:nvPr>
+            <p:ph type="title"/>
+          </p:nvPr>
+        </p:nvSpPr>
+        <p:spPr>
+          <a:xfrm>
+            <a:off x="5159312" y="1026195"/>
+            <a:ext cx="6540716" cy="1325563"/>
+          </a:xfrm>
+        </p:spPr>
+        <p:txBody>
+          <a:bodyPr/>
+          <a:lstStyle/>
+          <a:p>
+            <a:pPr algn="ctr"/>
+            <a:r>
+              <a:rPr lang="en-IN" dirty="0"/>
+              <a:t>Donations made Easy!</a:t>
+            </a:r>
+          </a:p>
+        </p:txBody>
+      </p:sp>
+      <p:sp>
+        <p:nvSpPr>
+          <p:cNvPr id="15" name="TextBox 14">
+            <a:extLst>
+              <a:ext uri="{FF2B5EF4-FFF2-40B4-BE49-F238E27FC236}">
+                <a16:creationId xmlns:a16="http://schemas.microsoft.com/office/drawing/2014/main" id="{731B76E3-AD62-4D5D-BE48-5F20EAB43805}"/>
+              </a:ext>
+            </a:extLst>
+          </p:cNvPr>
+          <p:cNvSpPr txBox="1"/>
+          <p:nvPr/>
+        </p:nvSpPr>
+        <p:spPr>
+          <a:xfrm>
+            <a:off x="5193437" y="2965142"/>
+            <a:ext cx="6347534" cy="3046988"/>
+          </a:xfrm>
+          <a:prstGeom prst="rect">
+            <a:avLst/>
+          </a:prstGeom>
+          <a:noFill/>
+        </p:spPr>
+        <p:txBody>
+          <a:bodyPr wrap="square" rtlCol="0">
+            <a:spAutoFit/>
+          </a:bodyPr>
+          <a:lstStyle/>
+          <a:p>
+            <a:r>
+              <a:rPr lang="en-IN" sz="2400" dirty="0"/>
+              <a:t>You scan donate money or you can just share the reference code of the order of relief materials with us.</a:t>
+            </a:r>
+          </a:p>
+          <a:p>
+            <a:endParaRPr lang="en-IN" sz="2400" dirty="0"/>
+          </a:p>
+          <a:p>
+            <a:r>
+              <a:rPr lang="en-IN" sz="2400" dirty="0"/>
+              <a:t>You can also shop for relief items through our portal!</a:t>
+            </a:r>
+          </a:p>
+          <a:p>
+            <a:endParaRPr lang="en-IN" sz="2400" dirty="0"/>
+          </a:p>
+          <a:p>
+            <a:r>
+              <a:rPr lang="en-IN" sz="2400" dirty="0"/>
+              <a:t>All these donations are directed to NGOs</a:t>
+            </a:r>
+          </a:p>
+        </p:txBody>
+      </p:sp>
+      <p:grpSp>
+        <p:nvGrpSpPr>
+          <p:cNvPr id="7" name="Group 6">
+            <a:extLst>
+              <a:ext uri="{FF2B5EF4-FFF2-40B4-BE49-F238E27FC236}">
+                <a16:creationId xmlns:a16="http://schemas.microsoft.com/office/drawing/2014/main" id="{ECCC6C7F-322D-49A4-BED8-820508EDB91E}"/>
+              </a:ext>
+            </a:extLst>
+          </p:cNvPr>
+          <p:cNvGrpSpPr/>
+          <p:nvPr/>
+        </p:nvGrpSpPr>
+        <p:grpSpPr>
+          <a:xfrm>
+            <a:off x="0" y="1305016"/>
+            <a:ext cx="4418121" cy="4620781"/>
+            <a:chOff x="4065973" y="1398973"/>
+            <a:chExt cx="5011352" cy="5011352"/>
+          </a:xfrm>
+        </p:grpSpPr>
+        <p:pic>
+          <p:nvPicPr>
+            <p:cNvPr id="4" name="Picture 3">
+              <a:extLst>
+                <a:ext uri="{FF2B5EF4-FFF2-40B4-BE49-F238E27FC236}">
+                  <a16:creationId xmlns:a16="http://schemas.microsoft.com/office/drawing/2014/main" id="{2C0A6BFB-71BD-4116-ABC7-2BDA1672E081}"/>
+                </a:ext>
+              </a:extLst>
+            </p:cNvPr>
+            <p:cNvPicPr>
+              <a:picLocks noChangeAspect="1"/>
+            </p:cNvPicPr>
+            <p:nvPr/>
+          </p:nvPicPr>
+          <p:blipFill>
+            <a:blip r:embed="rId3">
+              <a:extLst>
+                <a:ext uri="{28A0092B-C50C-407E-A947-70E740481C1C}">
+                  <a14:useLocalDpi xmlns:a14="http://schemas.microsoft.com/office/drawing/2010/main" val="0"/>
+                </a:ext>
+              </a:extLst>
+            </a:blip>
+            <a:stretch>
+              <a:fillRect/>
+            </a:stretch>
+          </p:blipFill>
+          <p:spPr>
+            <a:xfrm>
+              <a:off x="4065973" y="1398973"/>
+              <a:ext cx="5011352" cy="5011352"/>
+            </a:xfrm>
+            <a:prstGeom prst="rect">
+              <a:avLst/>
+            </a:prstGeom>
+          </p:spPr>
+        </p:pic>
+        <p:pic>
+          <p:nvPicPr>
+            <p:cNvPr id="6" name="Picture 5">
+              <a:extLst>
+                <a:ext uri="{FF2B5EF4-FFF2-40B4-BE49-F238E27FC236}">
+                  <a16:creationId xmlns:a16="http://schemas.microsoft.com/office/drawing/2014/main" id="{F3CB9F57-07BF-4C49-A0C1-2ED9A36A7564}"/>
+                </a:ext>
+              </a:extLst>
+            </p:cNvPr>
+            <p:cNvPicPr>
+              <a:picLocks noChangeAspect="1"/>
+            </p:cNvPicPr>
+            <p:nvPr/>
+          </p:nvPicPr>
+          <p:blipFill>
+            <a:blip r:embed="rId4">
+              <a:extLst>
+                <a:ext uri="{28A0092B-C50C-407E-A947-70E740481C1C}">
+                  <a14:useLocalDpi xmlns:a14="http://schemas.microsoft.com/office/drawing/2010/main" val="0"/>
+                </a:ext>
+              </a:extLst>
+            </a:blip>
+            <a:stretch>
+              <a:fillRect/>
+            </a:stretch>
+          </p:blipFill>
+          <p:spPr>
+            <a:xfrm>
+              <a:off x="4929280" y="2715659"/>
+              <a:ext cx="3284738" cy="2060527"/>
+            </a:xfrm>
+            <a:prstGeom prst="rect">
+              <a:avLst/>
+            </a:prstGeom>
+          </p:spPr>
+        </p:pic>
+      </p:grpSp>
+    </p:spTree>
+    <p:extLst>
+      <p:ext uri="{BB962C8B-B14F-4D97-AF65-F5344CB8AC3E}">
+        <p14:creationId xmlns:p14="http://schemas.microsoft.com/office/powerpoint/2010/main" val="3656368247"/>
+      </p:ext>
+    </p:extLst>
+  </p:cSld>
+  <p:clrMapOvr>
+    <a:masterClrMapping/>
+  </p:clrMapOvr>
+</p:sld>
+</file>
+
+<file path=ppt/slides/slide11.xml><?xml version="1.0" encoding="utf-8"?>
+<p:sld xmlns:a="http://schemas.openxmlformats.org/drawingml/2006/main" xmlns:r="http://schemas.openxmlformats.org/officeDocument/2006/relationships" xmlns:p="http://schemas.openxmlformats.org/presentationml/2006/main">
+  <p:cSld>
+    <p:spTree>
+      <p:nvGrpSpPr>
+        <p:cNvPr id="1" name=""/>
+        <p:cNvGrpSpPr/>
+        <p:nvPr/>
+      </p:nvGrpSpPr>
+      <p:grpSpPr>
+        <a:xfrm>
+          <a:off x="0" y="0"/>
+          <a:ext cx="0" cy="0"/>
+          <a:chOff x="0" y="0"/>
+          <a:chExt cx="0" cy="0"/>
+        </a:xfrm>
+      </p:grpSpPr>
+      <p:pic>
+        <p:nvPicPr>
+          <p:cNvPr id="16" name="Picture 15">
+            <a:extLst>
+              <a:ext uri="{FF2B5EF4-FFF2-40B4-BE49-F238E27FC236}">
+                <a16:creationId xmlns:a16="http://schemas.microsoft.com/office/drawing/2014/main" id="{F2E030E8-D7C3-4032-8E55-122842E9D367}"/>
+              </a:ext>
+            </a:extLst>
+          </p:cNvPr>
+          <p:cNvPicPr>
+            <a:picLocks noChangeAspect="1"/>
+          </p:cNvPicPr>
+          <p:nvPr/>
+        </p:nvPicPr>
+        <p:blipFill>
+          <a:blip r:embed="rId2">
+            <a:extLst>
+              <a:ext uri="{28A0092B-C50C-407E-A947-70E740481C1C}">
+                <a14:useLocalDpi xmlns:a14="http://schemas.microsoft.com/office/drawing/2010/main" val="0"/>
+              </a:ext>
+            </a:extLst>
+          </a:blip>
+          <a:stretch>
+            <a:fillRect/>
+          </a:stretch>
+        </p:blipFill>
+        <p:spPr>
+          <a:xfrm>
+            <a:off x="0" y="0"/>
+            <a:ext cx="12192000" cy="6858000"/>
+          </a:xfrm>
+          <a:prstGeom prst="rect">
+            <a:avLst/>
+          </a:prstGeom>
+        </p:spPr>
+      </p:pic>
+      <p:sp>
+        <p:nvSpPr>
+          <p:cNvPr id="2" name="Title 1">
+            <a:extLst>
+              <a:ext uri="{FF2B5EF4-FFF2-40B4-BE49-F238E27FC236}">
+                <a16:creationId xmlns:a16="http://schemas.microsoft.com/office/drawing/2014/main" id="{F0E35E16-2027-4469-84C9-F71A8813F0F9}"/>
+              </a:ext>
+            </a:extLst>
+          </p:cNvPr>
+          <p:cNvSpPr>
+            <a:spLocks noGrp="1"/>
+          </p:cNvSpPr>
+          <p:nvPr>
+            <p:ph type="title"/>
+          </p:nvPr>
+        </p:nvSpPr>
+        <p:spPr>
+          <a:xfrm>
+            <a:off x="4136994" y="365125"/>
+            <a:ext cx="7216806" cy="1325563"/>
+          </a:xfrm>
+        </p:spPr>
+        <p:txBody>
+          <a:bodyPr/>
+          <a:lstStyle/>
+          <a:p>
+            <a:pPr algn="ctr"/>
+            <a:r>
+              <a:rPr lang="en-IN" dirty="0"/>
+              <a:t>Request Relief</a:t>
+            </a:r>
+          </a:p>
+        </p:txBody>
+      </p:sp>
+      <p:grpSp>
+        <p:nvGrpSpPr>
+          <p:cNvPr id="14" name="Group 13">
+            <a:extLst>
+              <a:ext uri="{FF2B5EF4-FFF2-40B4-BE49-F238E27FC236}">
+                <a16:creationId xmlns:a16="http://schemas.microsoft.com/office/drawing/2014/main" id="{72254538-9AD2-4C48-B2F7-810AEFCE3BE6}"/>
+              </a:ext>
+            </a:extLst>
+          </p:cNvPr>
+          <p:cNvGrpSpPr/>
+          <p:nvPr/>
+        </p:nvGrpSpPr>
+        <p:grpSpPr>
+          <a:xfrm>
+            <a:off x="0" y="1010151"/>
+            <a:ext cx="4447713" cy="4671558"/>
+            <a:chOff x="3114675" y="421042"/>
+            <a:chExt cx="5962650" cy="5962650"/>
+          </a:xfrm>
+        </p:grpSpPr>
+        <p:pic>
+          <p:nvPicPr>
+            <p:cNvPr id="12" name="Picture 11">
+              <a:extLst>
+                <a:ext uri="{FF2B5EF4-FFF2-40B4-BE49-F238E27FC236}">
+                  <a16:creationId xmlns:a16="http://schemas.microsoft.com/office/drawing/2014/main" id="{FA2104B7-B3AA-47E3-BABB-516D570C1C92}"/>
+                </a:ext>
+              </a:extLst>
+            </p:cNvPr>
+            <p:cNvPicPr>
+              <a:picLocks noChangeAspect="1"/>
+            </p:cNvPicPr>
+            <p:nvPr/>
+          </p:nvPicPr>
+          <p:blipFill>
+            <a:blip r:embed="rId3">
+              <a:extLst>
+                <a:ext uri="{28A0092B-C50C-407E-A947-70E740481C1C}">
+                  <a14:useLocalDpi xmlns:a14="http://schemas.microsoft.com/office/drawing/2010/main" val="0"/>
+                </a:ext>
+              </a:extLst>
+            </a:blip>
+            <a:stretch>
+              <a:fillRect/>
+            </a:stretch>
+          </p:blipFill>
+          <p:spPr>
+            <a:xfrm>
+              <a:off x="3114675" y="421042"/>
+              <a:ext cx="5962650" cy="5962650"/>
+            </a:xfrm>
+            <a:prstGeom prst="rect">
+              <a:avLst/>
+            </a:prstGeom>
+          </p:spPr>
+        </p:pic>
+        <p:pic>
+          <p:nvPicPr>
+            <p:cNvPr id="13" name="Picture 12">
+              <a:extLst>
+                <a:ext uri="{FF2B5EF4-FFF2-40B4-BE49-F238E27FC236}">
+                  <a16:creationId xmlns:a16="http://schemas.microsoft.com/office/drawing/2014/main" id="{E17B590E-1039-4240-B122-9B303C25F724}"/>
+                </a:ext>
+              </a:extLst>
+            </p:cNvPr>
+            <p:cNvPicPr>
+              <a:picLocks noChangeAspect="1"/>
+            </p:cNvPicPr>
+            <p:nvPr/>
+          </p:nvPicPr>
+          <p:blipFill>
+            <a:blip r:embed="rId4">
+              <a:extLst>
+                <a:ext uri="{28A0092B-C50C-407E-A947-70E740481C1C}">
+                  <a14:useLocalDpi xmlns:a14="http://schemas.microsoft.com/office/drawing/2010/main" val="0"/>
+                </a:ext>
+              </a:extLst>
+            </a:blip>
+            <a:stretch>
+              <a:fillRect/>
+            </a:stretch>
+          </p:blipFill>
+          <p:spPr>
+            <a:xfrm>
+              <a:off x="4128210" y="1969962"/>
+              <a:ext cx="3932713" cy="2477750"/>
+            </a:xfrm>
+            <a:prstGeom prst="rect">
+              <a:avLst/>
+            </a:prstGeom>
+          </p:spPr>
+        </p:pic>
+      </p:grpSp>
+      <p:sp>
+        <p:nvSpPr>
+          <p:cNvPr id="15" name="TextBox 14">
+            <a:extLst>
+              <a:ext uri="{FF2B5EF4-FFF2-40B4-BE49-F238E27FC236}">
+                <a16:creationId xmlns:a16="http://schemas.microsoft.com/office/drawing/2014/main" id="{9C6EB0CD-1FC8-4EDF-8E15-A7BFCAA3F5EA}"/>
+              </a:ext>
+            </a:extLst>
+          </p:cNvPr>
+          <p:cNvSpPr txBox="1"/>
+          <p:nvPr/>
+        </p:nvSpPr>
+        <p:spPr>
+          <a:xfrm>
+            <a:off x="5163845" y="3080551"/>
+            <a:ext cx="6312023" cy="1938992"/>
+          </a:xfrm>
+          <a:prstGeom prst="rect">
+            <a:avLst/>
+          </a:prstGeom>
+          <a:noFill/>
+        </p:spPr>
+        <p:txBody>
+          <a:bodyPr wrap="square" rtlCol="0">
+            <a:spAutoFit/>
+          </a:bodyPr>
+          <a:lstStyle/>
+          <a:p>
+            <a:r>
+              <a:rPr lang="en-IN" sz="2400" dirty="0"/>
+              <a:t>You can select from the list on our portal or you can let us know if you need anything else.</a:t>
+            </a:r>
+          </a:p>
+          <a:p>
+            <a:endParaRPr lang="en-IN" sz="2400" dirty="0"/>
+          </a:p>
+          <a:p>
+            <a:r>
+              <a:rPr lang="en-IN" sz="2400" dirty="0"/>
+              <a:t>We’ll try our best to satisfy your needs..</a:t>
+            </a:r>
+          </a:p>
+          <a:p>
+            <a:endParaRPr lang="en-IN" sz="2400" dirty="0"/>
+          </a:p>
+        </p:txBody>
+      </p:sp>
+    </p:spTree>
+    <p:extLst>
+      <p:ext uri="{BB962C8B-B14F-4D97-AF65-F5344CB8AC3E}">
+        <p14:creationId xmlns:p14="http://schemas.microsoft.com/office/powerpoint/2010/main" val="4283951791"/>
+      </p:ext>
+    </p:extLst>
+  </p:cSld>
+  <p:clrMapOvr>
+    <a:masterClrMapping/>
+  </p:clrMapOvr>
+</p:sld>
+</file>
+
+<file path=ppt/slides/slide12.xml><?xml version="1.0" encoding="utf-8"?>
+<p:sld xmlns:a="http://schemas.openxmlformats.org/drawingml/2006/main" xmlns:r="http://schemas.openxmlformats.org/officeDocument/2006/relationships" xmlns:p="http://schemas.openxmlformats.org/presentationml/2006/main">
+  <p:cSld>
+    <p:spTree>
+      <p:nvGrpSpPr>
+        <p:cNvPr id="1" name=""/>
+        <p:cNvGrpSpPr/>
+        <p:nvPr/>
+      </p:nvGrpSpPr>
+      <p:grpSpPr>
+        <a:xfrm>
+          <a:off x="0" y="0"/>
+          <a:ext cx="0" cy="0"/>
+          <a:chOff x="0" y="0"/>
+          <a:chExt cx="0" cy="0"/>
+        </a:xfrm>
+      </p:grpSpPr>
+      <p:pic>
+        <p:nvPicPr>
+          <p:cNvPr id="5" name="Picture 4">
+            <a:extLst>
+              <a:ext uri="{FF2B5EF4-FFF2-40B4-BE49-F238E27FC236}">
+                <a16:creationId xmlns:a16="http://schemas.microsoft.com/office/drawing/2014/main" id="{167EA535-3139-4E26-B938-0D9C1DCB2CA1}"/>
+              </a:ext>
+            </a:extLst>
+          </p:cNvPr>
+          <p:cNvPicPr>
+            <a:picLocks noChangeAspect="1"/>
+          </p:cNvPicPr>
+          <p:nvPr/>
+        </p:nvPicPr>
+        <p:blipFill>
+          <a:blip r:embed="rId2">
+            <a:extLst>
+              <a:ext uri="{28A0092B-C50C-407E-A947-70E740481C1C}">
+                <a14:useLocalDpi xmlns:a14="http://schemas.microsoft.com/office/drawing/2010/main" val="0"/>
+              </a:ext>
+            </a:extLst>
+          </a:blip>
+          <a:stretch>
+            <a:fillRect/>
+          </a:stretch>
+        </p:blipFill>
+        <p:spPr>
+          <a:xfrm>
+            <a:off x="0" y="0"/>
+            <a:ext cx="12192000" cy="6858000"/>
+          </a:xfrm>
+          <a:prstGeom prst="rect">
+            <a:avLst/>
+          </a:prstGeom>
+        </p:spPr>
+      </p:pic>
+      <p:sp>
+        <p:nvSpPr>
+          <p:cNvPr id="2" name="Title 1">
+            <a:extLst>
+              <a:ext uri="{FF2B5EF4-FFF2-40B4-BE49-F238E27FC236}">
+                <a16:creationId xmlns:a16="http://schemas.microsoft.com/office/drawing/2014/main" id="{3BD9CA88-BF72-4ABE-B271-5D788E9C78D4}"/>
+              </a:ext>
+            </a:extLst>
+          </p:cNvPr>
+          <p:cNvSpPr>
+            <a:spLocks noGrp="1"/>
+          </p:cNvSpPr>
+          <p:nvPr>
+            <p:ph type="title"/>
+          </p:nvPr>
+        </p:nvSpPr>
+        <p:spPr>
+          <a:xfrm>
+            <a:off x="4385568" y="365125"/>
+            <a:ext cx="6968232" cy="1325563"/>
+          </a:xfrm>
+        </p:spPr>
+        <p:txBody>
+          <a:bodyPr/>
+          <a:lstStyle/>
+          <a:p>
+            <a:r>
+              <a:rPr lang="en-IN" dirty="0"/>
+              <a:t>Here comes our Unique Feature…</a:t>
+            </a:r>
+          </a:p>
+        </p:txBody>
+      </p:sp>
+      <p:sp>
+        <p:nvSpPr>
+          <p:cNvPr id="3" name="Content Placeholder 2">
+            <a:extLst>
+              <a:ext uri="{FF2B5EF4-FFF2-40B4-BE49-F238E27FC236}">
+                <a16:creationId xmlns:a16="http://schemas.microsoft.com/office/drawing/2014/main" id="{9C78631C-1813-489D-A333-4711D3DEB083}"/>
+              </a:ext>
+            </a:extLst>
+          </p:cNvPr>
+          <p:cNvSpPr>
+            <a:spLocks noGrp="1"/>
+          </p:cNvSpPr>
+          <p:nvPr>
+            <p:ph idx="1"/>
+          </p:nvPr>
+        </p:nvSpPr>
+        <p:spPr>
+          <a:xfrm>
+            <a:off x="4385568" y="1376039"/>
+            <a:ext cx="6968231" cy="2977318"/>
+          </a:xfrm>
+        </p:spPr>
+        <p:txBody>
+          <a:bodyPr>
+            <a:normAutofit/>
+          </a:bodyPr>
+          <a:lstStyle/>
+          <a:p>
+            <a:pPr marL="0" indent="0" algn="ctr">
+              <a:lnSpc>
+                <a:spcPct val="150000"/>
+              </a:lnSpc>
+              <a:buNone/>
+            </a:pPr>
+            <a:endParaRPr lang="en-IN" sz="2400" dirty="0"/>
+          </a:p>
+          <a:p>
+            <a:pPr marL="0" indent="0" algn="ctr">
+              <a:buNone/>
+            </a:pPr>
+            <a:r>
+              <a:rPr lang="en-IN" sz="2400" dirty="0"/>
+              <a:t>We can understand that the internet access during a disaster is hard to… So we have an SMS relief feature which allows you to send an SMS regarding the relief material required and the location which will be geotagged and sent to the nearest NGO to you…!</a:t>
+            </a:r>
+          </a:p>
+        </p:txBody>
+      </p:sp>
+      <p:grpSp>
+        <p:nvGrpSpPr>
+          <p:cNvPr id="10" name="Group 9">
+            <a:extLst>
+              <a:ext uri="{FF2B5EF4-FFF2-40B4-BE49-F238E27FC236}">
+                <a16:creationId xmlns:a16="http://schemas.microsoft.com/office/drawing/2014/main" id="{C2FF7FF0-4B11-4469-A431-C09DF5C2D5B2}"/>
+              </a:ext>
+            </a:extLst>
+          </p:cNvPr>
+          <p:cNvGrpSpPr/>
+          <p:nvPr/>
+        </p:nvGrpSpPr>
+        <p:grpSpPr>
+          <a:xfrm>
+            <a:off x="0" y="923278"/>
+            <a:ext cx="4385568" cy="5161995"/>
+            <a:chOff x="1398602" y="-594804"/>
+            <a:chExt cx="8109382" cy="8109382"/>
+          </a:xfrm>
+        </p:grpSpPr>
+        <p:pic>
+          <p:nvPicPr>
+            <p:cNvPr id="7" name="Picture 6">
+              <a:extLst>
+                <a:ext uri="{FF2B5EF4-FFF2-40B4-BE49-F238E27FC236}">
+                  <a16:creationId xmlns:a16="http://schemas.microsoft.com/office/drawing/2014/main" id="{FB9FBADF-FDEA-4E5D-84AE-F5BD77F6E36B}"/>
+                </a:ext>
+              </a:extLst>
+            </p:cNvPr>
+            <p:cNvPicPr>
+              <a:picLocks noChangeAspect="1"/>
+            </p:cNvPicPr>
+            <p:nvPr/>
+          </p:nvPicPr>
+          <p:blipFill>
+            <a:blip r:embed="rId3">
+              <a:extLst>
+                <a:ext uri="{28A0092B-C50C-407E-A947-70E740481C1C}">
+                  <a14:useLocalDpi xmlns:a14="http://schemas.microsoft.com/office/drawing/2010/main" val="0"/>
+                </a:ext>
+              </a:extLst>
+            </a:blip>
+            <a:stretch>
+              <a:fillRect/>
+            </a:stretch>
+          </p:blipFill>
+          <p:spPr>
+            <a:xfrm>
+              <a:off x="1398602" y="-594804"/>
+              <a:ext cx="8109382" cy="8109382"/>
+            </a:xfrm>
+            <a:prstGeom prst="rect">
+              <a:avLst/>
+            </a:prstGeom>
+          </p:spPr>
+        </p:pic>
+        <p:pic>
+          <p:nvPicPr>
+            <p:cNvPr id="9" name="Picture 8">
+              <a:extLst>
+                <a:ext uri="{FF2B5EF4-FFF2-40B4-BE49-F238E27FC236}">
+                  <a16:creationId xmlns:a16="http://schemas.microsoft.com/office/drawing/2014/main" id="{862FC23A-6B0A-4A9E-B80B-9CD4248082CE}"/>
+                </a:ext>
+              </a:extLst>
+            </p:cNvPr>
+            <p:cNvPicPr>
+              <a:picLocks noChangeAspect="1"/>
+            </p:cNvPicPr>
+            <p:nvPr/>
+          </p:nvPicPr>
+          <p:blipFill>
+            <a:blip r:embed="rId4">
+              <a:extLst>
+                <a:ext uri="{28A0092B-C50C-407E-A947-70E740481C1C}">
+                  <a14:useLocalDpi xmlns:a14="http://schemas.microsoft.com/office/drawing/2010/main" val="0"/>
+                </a:ext>
+              </a:extLst>
+            </a:blip>
+            <a:stretch>
+              <a:fillRect/>
+            </a:stretch>
+          </p:blipFill>
+          <p:spPr>
+            <a:xfrm>
+              <a:off x="4234648" y="816747"/>
+              <a:ext cx="2947387" cy="5211191"/>
+            </a:xfrm>
+            <a:prstGeom prst="rect">
+              <a:avLst/>
+            </a:prstGeom>
+          </p:spPr>
+        </p:pic>
+      </p:grpSp>
+    </p:spTree>
+    <p:extLst>
+      <p:ext uri="{BB962C8B-B14F-4D97-AF65-F5344CB8AC3E}">
+        <p14:creationId xmlns:p14="http://schemas.microsoft.com/office/powerpoint/2010/main" val="800790084"/>
+      </p:ext>
+    </p:extLst>
+  </p:cSld>
+  <p:clrMapOvr>
+    <a:masterClrMapping/>
+  </p:clrMapOvr>
+</p:sld>
+</file>
+
+<file path=ppt/slides/slide13.xml><?xml version="1.0" encoding="utf-8"?>
+<p:sld xmlns:a="http://schemas.openxmlformats.org/drawingml/2006/main" xmlns:r="http://schemas.openxmlformats.org/officeDocument/2006/relationships" xmlns:p="http://schemas.openxmlformats.org/presentationml/2006/main">
+  <p:cSld>
+    <p:spTree>
+      <p:nvGrpSpPr>
+        <p:cNvPr id="1" name=""/>
+        <p:cNvGrpSpPr/>
+        <p:nvPr/>
+      </p:nvGrpSpPr>
+      <p:grpSpPr>
+        <a:xfrm>
+          <a:off x="0" y="0"/>
+          <a:ext cx="0" cy="0"/>
+          <a:chOff x="0" y="0"/>
+          <a:chExt cx="0" cy="0"/>
+        </a:xfrm>
+      </p:grpSpPr>
+      <p:pic>
+        <p:nvPicPr>
+          <p:cNvPr id="10" name="Picture 9">
+            <a:extLst>
+              <a:ext uri="{FF2B5EF4-FFF2-40B4-BE49-F238E27FC236}">
+                <a16:creationId xmlns:a16="http://schemas.microsoft.com/office/drawing/2014/main" id="{8CA62580-B530-43BA-85E3-8245F3C2D2AA}"/>
+              </a:ext>
+            </a:extLst>
+          </p:cNvPr>
+          <p:cNvPicPr>
+            <a:picLocks noChangeAspect="1"/>
+          </p:cNvPicPr>
+          <p:nvPr/>
+        </p:nvPicPr>
+        <p:blipFill>
+          <a:blip r:embed="rId2">
+            <a:extLst>
+              <a:ext uri="{28A0092B-C50C-407E-A947-70E740481C1C}">
+                <a14:useLocalDpi xmlns:a14="http://schemas.microsoft.com/office/drawing/2010/main" val="0"/>
+              </a:ext>
+            </a:extLst>
+          </a:blip>
+          <a:stretch>
+            <a:fillRect/>
+          </a:stretch>
+        </p:blipFill>
+        <p:spPr>
+          <a:xfrm>
+            <a:off x="0" y="0"/>
+            <a:ext cx="12192000" cy="6858000"/>
+          </a:xfrm>
+          <a:prstGeom prst="rect">
+            <a:avLst/>
+          </a:prstGeom>
+        </p:spPr>
+      </p:pic>
+      <p:pic>
+        <p:nvPicPr>
+          <p:cNvPr id="8" name="Picture 7">
+            <a:extLst>
+              <a:ext uri="{FF2B5EF4-FFF2-40B4-BE49-F238E27FC236}">
+                <a16:creationId xmlns:a16="http://schemas.microsoft.com/office/drawing/2014/main" id="{8E961179-37DA-4F69-8216-21BF6AA240C4}"/>
+              </a:ext>
+            </a:extLst>
+          </p:cNvPr>
+          <p:cNvPicPr>
+            <a:picLocks noChangeAspect="1"/>
+          </p:cNvPicPr>
+          <p:nvPr/>
+        </p:nvPicPr>
+        <p:blipFill rotWithShape="1">
+          <a:blip r:embed="rId3"/>
+          <a:srcRect t="657" b="1"/>
+          <a:stretch/>
+        </p:blipFill>
+        <p:spPr>
+          <a:xfrm>
+            <a:off x="0" y="865880"/>
+            <a:ext cx="12192000" cy="5992120"/>
+          </a:xfrm>
+          <a:prstGeom prst="rect">
+            <a:avLst/>
+          </a:prstGeom>
+        </p:spPr>
+      </p:pic>
+    </p:spTree>
+    <p:extLst>
+      <p:ext uri="{BB962C8B-B14F-4D97-AF65-F5344CB8AC3E}">
+        <p14:creationId xmlns:p14="http://schemas.microsoft.com/office/powerpoint/2010/main" val="2151974902"/>
+      </p:ext>
+    </p:extLst>
+  </p:cSld>
+  <p:clrMapOvr>
+    <a:masterClrMapping/>
+  </p:clrMapOvr>
+</p:sld>
+</file>
+
+<file path=ppt/slides/slide2.xml><?xml version="1.0" encoding="utf-8"?>
+<p:sld xmlns:a="http://schemas.openxmlformats.org/drawingml/2006/main" xmlns:r="http://schemas.openxmlformats.org/officeDocument/2006/relationships" xmlns:p="http://schemas.openxmlformats.org/presentationml/2006/main">
+  <p:cSld>
+    <p:spTree>
+      <p:nvGrpSpPr>
+        <p:cNvPr id="1" name=""/>
+        <p:cNvGrpSpPr/>
+        <p:nvPr/>
+      </p:nvGrpSpPr>
+      <p:grpSpPr>
+        <a:xfrm>
+          <a:off x="0" y="0"/>
+          <a:ext cx="0" cy="0"/>
+          <a:chOff x="0" y="0"/>
+          <a:chExt cx="0" cy="0"/>
+        </a:xfrm>
+      </p:grpSpPr>
+      <p:pic>
+        <p:nvPicPr>
+          <p:cNvPr id="5" name="Content Placeholder 4">
+            <a:extLst>
+              <a:ext uri="{FF2B5EF4-FFF2-40B4-BE49-F238E27FC236}">
+                <a16:creationId xmlns:a16="http://schemas.microsoft.com/office/drawing/2014/main" id="{4A067D22-7DA1-4A41-84BD-DA5B9071ED1D}"/>
+              </a:ext>
+            </a:extLst>
+          </p:cNvPr>
+          <p:cNvPicPr>
+            <a:picLocks noGrp="1" noChangeAspect="1"/>
+          </p:cNvPicPr>
+          <p:nvPr>
+            <p:ph idx="1"/>
+          </p:nvPr>
+        </p:nvPicPr>
+        <p:blipFill>
+          <a:blip r:embed="rId2">
+            <a:extLst>
+              <a:ext uri="{28A0092B-C50C-407E-A947-70E740481C1C}">
+                <a14:useLocalDpi xmlns:a14="http://schemas.microsoft.com/office/drawing/2010/main" val="0"/>
+              </a:ext>
+            </a:extLst>
+          </a:blip>
+          <a:stretch>
+            <a:fillRect/>
+          </a:stretch>
+        </p:blipFill>
+        <p:spPr>
+          <a:xfrm>
+            <a:off x="834500" y="736846"/>
+            <a:ext cx="10475651" cy="5424257"/>
+          </a:xfrm>
+          <a:prstGeom prst="rect">
+            <a:avLst/>
+          </a:prstGeom>
+          <a:ln w="228600" cap="sq" cmpd="thickThin">
+            <a:solidFill>
+              <a:srgbClr val="000000"/>
+            </a:solidFill>
+            <a:prstDash val="solid"/>
+            <a:miter lim="800000"/>
+          </a:ln>
+          <a:effectLst>
+            <a:innerShdw blurRad="76200">
+              <a:srgbClr val="000000"/>
+            </a:innerShdw>
+          </a:effectLst>
+        </p:spPr>
+      </p:pic>
+    </p:spTree>
+    <p:extLst>
+      <p:ext uri="{BB962C8B-B14F-4D97-AF65-F5344CB8AC3E}">
+        <p14:creationId xmlns:p14="http://schemas.microsoft.com/office/powerpoint/2010/main" val="1734222869"/>
+      </p:ext>
+    </p:extLst>
+  </p:cSld>
+  <p:clrMapOvr>
+    <a:masterClrMapping/>
+  </p:clrMapOvr>
+</p:sld>
+</file>
+
+<file path=ppt/slides/slide3.xml><?xml version="1.0" encoding="utf-8"?>
+<p:sld xmlns:a="http://schemas.openxmlformats.org/drawingml/2006/main" xmlns:r="http://schemas.openxmlformats.org/officeDocument/2006/relationships" xmlns:p="http://schemas.openxmlformats.org/presentationml/2006/main">
+  <p:cSld>
+    <p:spTree>
+      <p:nvGrpSpPr>
+        <p:cNvPr id="1" name=""/>
+        <p:cNvGrpSpPr/>
+        <p:nvPr/>
+      </p:nvGrpSpPr>
+      <p:grpSpPr>
+        <a:xfrm>
+          <a:off x="0" y="0"/>
+          <a:ext cx="0" cy="0"/>
+          <a:chOff x="0" y="0"/>
+          <a:chExt cx="0" cy="0"/>
+        </a:xfrm>
+      </p:grpSpPr>
       <p:sp>
         <p:nvSpPr>
           <p:cNvPr id="6" name="TextBox 5">
@@ -3573,341 +4671,7 @@
 </p:sld>
 </file>
 
-<file path=ppt/slides/slide10.xml><?xml version="1.0" encoding="utf-8"?>
-<p:sld xmlns:a="http://schemas.openxmlformats.org/drawingml/2006/main" xmlns:r="http://schemas.openxmlformats.org/officeDocument/2006/relationships" xmlns:p="http://schemas.openxmlformats.org/presentationml/2006/main">
-  <p:cSld>
-    <p:spTree>
-      <p:nvGrpSpPr>
-        <p:cNvPr id="1" name=""/>
-        <p:cNvGrpSpPr/>
-        <p:nvPr/>
-      </p:nvGrpSpPr>
-      <p:grpSpPr>
-        <a:xfrm>
-          <a:off x="0" y="0"/>
-          <a:ext cx="0" cy="0"/>
-          <a:chOff x="0" y="0"/>
-          <a:chExt cx="0" cy="0"/>
-        </a:xfrm>
-      </p:grpSpPr>
-      <p:pic>
-        <p:nvPicPr>
-          <p:cNvPr id="5" name="Picture 4">
-            <a:extLst>
-              <a:ext uri="{FF2B5EF4-FFF2-40B4-BE49-F238E27FC236}">
-                <a16:creationId xmlns:a16="http://schemas.microsoft.com/office/drawing/2014/main" id="{167EA535-3139-4E26-B938-0D9C1DCB2CA1}"/>
-              </a:ext>
-            </a:extLst>
-          </p:cNvPr>
-          <p:cNvPicPr>
-            <a:picLocks noChangeAspect="1"/>
-          </p:cNvPicPr>
-          <p:nvPr/>
-        </p:nvPicPr>
-        <p:blipFill>
-          <a:blip r:embed="rId2">
-            <a:extLst>
-              <a:ext uri="{28A0092B-C50C-407E-A947-70E740481C1C}">
-                <a14:useLocalDpi xmlns:a14="http://schemas.microsoft.com/office/drawing/2010/main" val="0"/>
-              </a:ext>
-            </a:extLst>
-          </a:blip>
-          <a:stretch>
-            <a:fillRect/>
-          </a:stretch>
-        </p:blipFill>
-        <p:spPr>
-          <a:xfrm>
-            <a:off x="0" y="0"/>
-            <a:ext cx="12192000" cy="6858000"/>
-          </a:xfrm>
-          <a:prstGeom prst="rect">
-            <a:avLst/>
-          </a:prstGeom>
-        </p:spPr>
-      </p:pic>
-      <p:sp>
-        <p:nvSpPr>
-          <p:cNvPr id="2" name="Title 1">
-            <a:extLst>
-              <a:ext uri="{FF2B5EF4-FFF2-40B4-BE49-F238E27FC236}">
-                <a16:creationId xmlns:a16="http://schemas.microsoft.com/office/drawing/2014/main" id="{3BD9CA88-BF72-4ABE-B271-5D788E9C78D4}"/>
-              </a:ext>
-            </a:extLst>
-          </p:cNvPr>
-          <p:cNvSpPr>
-            <a:spLocks noGrp="1"/>
-          </p:cNvSpPr>
-          <p:nvPr>
-            <p:ph type="title"/>
-          </p:nvPr>
-        </p:nvSpPr>
-        <p:spPr>
-          <a:xfrm>
-            <a:off x="4385568" y="365125"/>
-            <a:ext cx="6968232" cy="1325563"/>
-          </a:xfrm>
-        </p:spPr>
-        <p:txBody>
-          <a:bodyPr/>
-          <a:lstStyle/>
-          <a:p>
-            <a:r>
-              <a:rPr lang="en-IN" dirty="0"/>
-              <a:t>Here comes our Unique Feature…</a:t>
-            </a:r>
-          </a:p>
-        </p:txBody>
-      </p:sp>
-      <p:sp>
-        <p:nvSpPr>
-          <p:cNvPr id="3" name="Content Placeholder 2">
-            <a:extLst>
-              <a:ext uri="{FF2B5EF4-FFF2-40B4-BE49-F238E27FC236}">
-                <a16:creationId xmlns:a16="http://schemas.microsoft.com/office/drawing/2014/main" id="{9C78631C-1813-489D-A333-4711D3DEB083}"/>
-              </a:ext>
-            </a:extLst>
-          </p:cNvPr>
-          <p:cNvSpPr>
-            <a:spLocks noGrp="1"/>
-          </p:cNvSpPr>
-          <p:nvPr>
-            <p:ph idx="1"/>
-          </p:nvPr>
-        </p:nvSpPr>
-        <p:spPr>
-          <a:xfrm>
-            <a:off x="4385568" y="1376039"/>
-            <a:ext cx="6968231" cy="2977318"/>
-          </a:xfrm>
-        </p:spPr>
-        <p:txBody>
-          <a:bodyPr>
-            <a:normAutofit/>
-          </a:bodyPr>
-          <a:lstStyle/>
-          <a:p>
-            <a:pPr marL="0" indent="0" algn="ctr">
-              <a:lnSpc>
-                <a:spcPct val="150000"/>
-              </a:lnSpc>
-              <a:buNone/>
-            </a:pPr>
-            <a:endParaRPr lang="en-IN" sz="2400" dirty="0"/>
-          </a:p>
-          <a:p>
-            <a:pPr marL="0" indent="0" algn="ctr">
-              <a:buNone/>
-            </a:pPr>
-            <a:r>
-              <a:rPr lang="en-IN" sz="2400" dirty="0"/>
-              <a:t>We can understand that the internet access during a disaster is hard to… So we have an SMS relief feature which allows you to send an SMS regarding the relief material required and the location which will be geotagged and sent to the nearest NGO to you…!</a:t>
-            </a:r>
-          </a:p>
-        </p:txBody>
-      </p:sp>
-      <p:grpSp>
-        <p:nvGrpSpPr>
-          <p:cNvPr id="10" name="Group 9">
-            <a:extLst>
-              <a:ext uri="{FF2B5EF4-FFF2-40B4-BE49-F238E27FC236}">
-                <a16:creationId xmlns:a16="http://schemas.microsoft.com/office/drawing/2014/main" id="{C2FF7FF0-4B11-4469-A431-C09DF5C2D5B2}"/>
-              </a:ext>
-            </a:extLst>
-          </p:cNvPr>
-          <p:cNvGrpSpPr/>
-          <p:nvPr/>
-        </p:nvGrpSpPr>
-        <p:grpSpPr>
-          <a:xfrm>
-            <a:off x="0" y="923278"/>
-            <a:ext cx="4385568" cy="5161995"/>
-            <a:chOff x="1398602" y="-594804"/>
-            <a:chExt cx="8109382" cy="8109382"/>
-          </a:xfrm>
-        </p:grpSpPr>
-        <p:pic>
-          <p:nvPicPr>
-            <p:cNvPr id="7" name="Picture 6">
-              <a:extLst>
-                <a:ext uri="{FF2B5EF4-FFF2-40B4-BE49-F238E27FC236}">
-                  <a16:creationId xmlns:a16="http://schemas.microsoft.com/office/drawing/2014/main" id="{FB9FBADF-FDEA-4E5D-84AE-F5BD77F6E36B}"/>
-                </a:ext>
-              </a:extLst>
-            </p:cNvPr>
-            <p:cNvPicPr>
-              <a:picLocks noChangeAspect="1"/>
-            </p:cNvPicPr>
-            <p:nvPr/>
-          </p:nvPicPr>
-          <p:blipFill>
-            <a:blip r:embed="rId3">
-              <a:extLst>
-                <a:ext uri="{28A0092B-C50C-407E-A947-70E740481C1C}">
-                  <a14:useLocalDpi xmlns:a14="http://schemas.microsoft.com/office/drawing/2010/main" val="0"/>
-                </a:ext>
-              </a:extLst>
-            </a:blip>
-            <a:stretch>
-              <a:fillRect/>
-            </a:stretch>
-          </p:blipFill>
-          <p:spPr>
-            <a:xfrm>
-              <a:off x="1398602" y="-594804"/>
-              <a:ext cx="8109382" cy="8109382"/>
-            </a:xfrm>
-            <a:prstGeom prst="rect">
-              <a:avLst/>
-            </a:prstGeom>
-          </p:spPr>
-        </p:pic>
-        <p:pic>
-          <p:nvPicPr>
-            <p:cNvPr id="9" name="Picture 8">
-              <a:extLst>
-                <a:ext uri="{FF2B5EF4-FFF2-40B4-BE49-F238E27FC236}">
-                  <a16:creationId xmlns:a16="http://schemas.microsoft.com/office/drawing/2014/main" id="{862FC23A-6B0A-4A9E-B80B-9CD4248082CE}"/>
-                </a:ext>
-              </a:extLst>
-            </p:cNvPr>
-            <p:cNvPicPr>
-              <a:picLocks noChangeAspect="1"/>
-            </p:cNvPicPr>
-            <p:nvPr/>
-          </p:nvPicPr>
-          <p:blipFill>
-            <a:blip r:embed="rId4">
-              <a:extLst>
-                <a:ext uri="{28A0092B-C50C-407E-A947-70E740481C1C}">
-                  <a14:useLocalDpi xmlns:a14="http://schemas.microsoft.com/office/drawing/2010/main" val="0"/>
-                </a:ext>
-              </a:extLst>
-            </a:blip>
-            <a:stretch>
-              <a:fillRect/>
-            </a:stretch>
-          </p:blipFill>
-          <p:spPr>
-            <a:xfrm>
-              <a:off x="4234648" y="816747"/>
-              <a:ext cx="2947387" cy="5211191"/>
-            </a:xfrm>
-            <a:prstGeom prst="rect">
-              <a:avLst/>
-            </a:prstGeom>
-          </p:spPr>
-        </p:pic>
-      </p:grpSp>
-    </p:spTree>
-    <p:extLst>
-      <p:ext uri="{BB962C8B-B14F-4D97-AF65-F5344CB8AC3E}">
-        <p14:creationId xmlns:p14="http://schemas.microsoft.com/office/powerpoint/2010/main" val="800790084"/>
-      </p:ext>
-    </p:extLst>
-  </p:cSld>
-  <p:clrMapOvr>
-    <a:masterClrMapping/>
-  </p:clrMapOvr>
-</p:sld>
-</file>
-
-<file path=ppt/slides/slide11.xml><?xml version="1.0" encoding="utf-8"?>
-<p:sld xmlns:a="http://schemas.openxmlformats.org/drawingml/2006/main" xmlns:r="http://schemas.openxmlformats.org/officeDocument/2006/relationships" xmlns:p="http://schemas.openxmlformats.org/presentationml/2006/main">
-  <p:cSld>
-    <p:spTree>
-      <p:nvGrpSpPr>
-        <p:cNvPr id="1" name=""/>
-        <p:cNvGrpSpPr/>
-        <p:nvPr/>
-      </p:nvGrpSpPr>
-      <p:grpSpPr>
-        <a:xfrm>
-          <a:off x="0" y="0"/>
-          <a:ext cx="0" cy="0"/>
-          <a:chOff x="0" y="0"/>
-          <a:chExt cx="0" cy="0"/>
-        </a:xfrm>
-      </p:grpSpPr>
-      <p:pic>
-        <p:nvPicPr>
-          <p:cNvPr id="10" name="Picture 9">
-            <a:extLst>
-              <a:ext uri="{FF2B5EF4-FFF2-40B4-BE49-F238E27FC236}">
-                <a16:creationId xmlns:a16="http://schemas.microsoft.com/office/drawing/2014/main" id="{8CA62580-B530-43BA-85E3-8245F3C2D2AA}"/>
-              </a:ext>
-            </a:extLst>
-          </p:cNvPr>
-          <p:cNvPicPr>
-            <a:picLocks noChangeAspect="1"/>
-          </p:cNvPicPr>
-          <p:nvPr/>
-        </p:nvPicPr>
-        <p:blipFill>
-          <a:blip r:embed="rId2">
-            <a:extLst>
-              <a:ext uri="{28A0092B-C50C-407E-A947-70E740481C1C}">
-                <a14:useLocalDpi xmlns:a14="http://schemas.microsoft.com/office/drawing/2010/main" val="0"/>
-              </a:ext>
-            </a:extLst>
-          </a:blip>
-          <a:stretch>
-            <a:fillRect/>
-          </a:stretch>
-        </p:blipFill>
-        <p:spPr>
-          <a:xfrm>
-            <a:off x="0" y="0"/>
-            <a:ext cx="12192000" cy="6858000"/>
-          </a:xfrm>
-          <a:prstGeom prst="rect">
-            <a:avLst/>
-          </a:prstGeom>
-        </p:spPr>
-      </p:pic>
-      <p:pic>
-        <p:nvPicPr>
-          <p:cNvPr id="8" name="Picture 7">
-            <a:extLst>
-              <a:ext uri="{FF2B5EF4-FFF2-40B4-BE49-F238E27FC236}">
-                <a16:creationId xmlns:a16="http://schemas.microsoft.com/office/drawing/2014/main" id="{8E961179-37DA-4F69-8216-21BF6AA240C4}"/>
-              </a:ext>
-            </a:extLst>
-          </p:cNvPr>
-          <p:cNvPicPr>
-            <a:picLocks noChangeAspect="1"/>
-          </p:cNvPicPr>
-          <p:nvPr/>
-        </p:nvPicPr>
-        <p:blipFill rotWithShape="1">
-          <a:blip r:embed="rId3"/>
-          <a:srcRect t="657" b="1"/>
-          <a:stretch/>
-        </p:blipFill>
-        <p:spPr>
-          <a:xfrm>
-            <a:off x="0" y="865880"/>
-            <a:ext cx="12192000" cy="5992120"/>
-          </a:xfrm>
-          <a:prstGeom prst="rect">
-            <a:avLst/>
-          </a:prstGeom>
-        </p:spPr>
-      </p:pic>
-    </p:spTree>
-    <p:extLst>
-      <p:ext uri="{BB962C8B-B14F-4D97-AF65-F5344CB8AC3E}">
-        <p14:creationId xmlns:p14="http://schemas.microsoft.com/office/powerpoint/2010/main" val="2151974902"/>
-      </p:ext>
-    </p:extLst>
-  </p:cSld>
-  <p:clrMapOvr>
-    <a:masterClrMapping/>
-  </p:clrMapOvr>
-</p:sld>
-</file>
-
-<file path=ppt/slides/slide2.xml><?xml version="1.0" encoding="utf-8"?>
+<file path=ppt/slides/slide4.xml><?xml version="1.0" encoding="utf-8"?>
 <p:sld xmlns:a="http://schemas.openxmlformats.org/drawingml/2006/main" xmlns:r="http://schemas.openxmlformats.org/officeDocument/2006/relationships" xmlns:p="http://schemas.openxmlformats.org/presentationml/2006/main">
   <p:cSld>
     <p:spTree>
@@ -4061,311 +4825,6 @@
     <p:extLst>
       <p:ext uri="{BB962C8B-B14F-4D97-AF65-F5344CB8AC3E}">
         <p14:creationId xmlns:p14="http://schemas.microsoft.com/office/powerpoint/2010/main" val="4028221705"/>
-      </p:ext>
-    </p:extLst>
-  </p:cSld>
-  <p:clrMapOvr>
-    <a:masterClrMapping/>
-  </p:clrMapOvr>
-</p:sld>
-</file>
-
-<file path=ppt/slides/slide3.xml><?xml version="1.0" encoding="utf-8"?>
-<p:sld xmlns:a="http://schemas.openxmlformats.org/drawingml/2006/main" xmlns:r="http://schemas.openxmlformats.org/officeDocument/2006/relationships" xmlns:p="http://schemas.openxmlformats.org/presentationml/2006/main">
-  <p:cSld>
-    <p:spTree>
-      <p:nvGrpSpPr>
-        <p:cNvPr id="1" name=""/>
-        <p:cNvGrpSpPr/>
-        <p:nvPr/>
-      </p:nvGrpSpPr>
-      <p:grpSpPr>
-        <a:xfrm>
-          <a:off x="0" y="0"/>
-          <a:ext cx="0" cy="0"/>
-          <a:chOff x="0" y="0"/>
-          <a:chExt cx="0" cy="0"/>
-        </a:xfrm>
-      </p:grpSpPr>
-      <p:pic>
-        <p:nvPicPr>
-          <p:cNvPr id="5" name="Picture 4">
-            <a:extLst>
-              <a:ext uri="{FF2B5EF4-FFF2-40B4-BE49-F238E27FC236}">
-                <a16:creationId xmlns:a16="http://schemas.microsoft.com/office/drawing/2014/main" id="{28899741-2C57-4B76-8D83-76C605B06868}"/>
-              </a:ext>
-            </a:extLst>
-          </p:cNvPr>
-          <p:cNvPicPr>
-            <a:picLocks noChangeAspect="1"/>
-          </p:cNvPicPr>
-          <p:nvPr/>
-        </p:nvPicPr>
-        <p:blipFill>
-          <a:blip r:embed="rId2">
-            <a:extLst>
-              <a:ext uri="{28A0092B-C50C-407E-A947-70E740481C1C}">
-                <a14:useLocalDpi xmlns:a14="http://schemas.microsoft.com/office/drawing/2010/main" val="0"/>
-              </a:ext>
-            </a:extLst>
-          </a:blip>
-          <a:stretch>
-            <a:fillRect/>
-          </a:stretch>
-        </p:blipFill>
-        <p:spPr>
-          <a:xfrm>
-            <a:off x="0" y="0"/>
-            <a:ext cx="12192000" cy="6858000"/>
-          </a:xfrm>
-          <a:prstGeom prst="rect">
-            <a:avLst/>
-          </a:prstGeom>
-        </p:spPr>
-      </p:pic>
-      <p:sp>
-        <p:nvSpPr>
-          <p:cNvPr id="2" name="Title 1">
-            <a:extLst>
-              <a:ext uri="{FF2B5EF4-FFF2-40B4-BE49-F238E27FC236}">
-                <a16:creationId xmlns:a16="http://schemas.microsoft.com/office/drawing/2014/main" id="{D0FA2EF5-1098-4A51-A6E2-1E5DA371EBD6}"/>
-              </a:ext>
-            </a:extLst>
-          </p:cNvPr>
-          <p:cNvSpPr>
-            <a:spLocks noGrp="1"/>
-          </p:cNvSpPr>
-          <p:nvPr>
-            <p:ph type="ctrTitle"/>
-          </p:nvPr>
-        </p:nvSpPr>
-        <p:spPr>
-          <a:xfrm>
-            <a:off x="1612777" y="612560"/>
-            <a:ext cx="9144000" cy="1376038"/>
-          </a:xfrm>
-        </p:spPr>
-        <p:txBody>
-          <a:bodyPr>
-            <a:normAutofit fontScale="90000"/>
-          </a:bodyPr>
-          <a:lstStyle/>
-          <a:p>
-            <a:r>
-              <a:rPr lang="en-IN" dirty="0"/>
-              <a:t>Is relief material actually reaching?</a:t>
-            </a:r>
-          </a:p>
-        </p:txBody>
-      </p:sp>
-      <p:sp>
-        <p:nvSpPr>
-          <p:cNvPr id="3" name="Subtitle 2">
-            <a:extLst>
-              <a:ext uri="{FF2B5EF4-FFF2-40B4-BE49-F238E27FC236}">
-                <a16:creationId xmlns:a16="http://schemas.microsoft.com/office/drawing/2014/main" id="{258A4131-B003-41B4-981A-CCBD64FF15FA}"/>
-              </a:ext>
-            </a:extLst>
-          </p:cNvPr>
-          <p:cNvSpPr>
-            <a:spLocks noGrp="1"/>
-          </p:cNvSpPr>
-          <p:nvPr>
-            <p:ph type="subTitle" idx="1"/>
-          </p:nvPr>
-        </p:nvSpPr>
-        <p:spPr>
-          <a:xfrm>
-            <a:off x="1524000" y="2929631"/>
-            <a:ext cx="9144000" cy="3100526"/>
-          </a:xfrm>
-        </p:spPr>
-        <p:txBody>
-          <a:bodyPr>
-            <a:noAutofit/>
-          </a:bodyPr>
-          <a:lstStyle/>
-          <a:p>
-            <a:r>
-              <a:rPr lang="en-US" cap="all" dirty="0"/>
-              <a:t>RecENT ASSAM FLOODS</a:t>
-            </a:r>
-          </a:p>
-          <a:p>
-            <a:r>
-              <a:rPr lang="en-US" dirty="0"/>
-              <a:t>Close to 12 lakh people in 24 districts of Assam continued to reel under floods as the death toll reached 59 in the state.</a:t>
-            </a:r>
-          </a:p>
-          <a:p>
-            <a:r>
-              <a:rPr lang="en-US" dirty="0"/>
-              <a:t>Meanwhile, though the district administration has been claiming to have distributed sufficient relief material, there were reports from different flood hit areas regarding non receipt of adequate relief materials.</a:t>
-            </a:r>
-            <a:br>
-              <a:rPr lang="en-US" dirty="0"/>
-            </a:br>
-            <a:br>
-              <a:rPr lang="en-US" dirty="0"/>
-            </a:br>
-            <a:endParaRPr lang="en-IN" dirty="0"/>
-          </a:p>
-        </p:txBody>
-      </p:sp>
-    </p:spTree>
-    <p:extLst>
-      <p:ext uri="{BB962C8B-B14F-4D97-AF65-F5344CB8AC3E}">
-        <p14:creationId xmlns:p14="http://schemas.microsoft.com/office/powerpoint/2010/main" val="2491686091"/>
-      </p:ext>
-    </p:extLst>
-  </p:cSld>
-  <p:clrMapOvr>
-    <a:masterClrMapping/>
-  </p:clrMapOvr>
-</p:sld>
-</file>
-
-<file path=ppt/slides/slide4.xml><?xml version="1.0" encoding="utf-8"?>
-<p:sld xmlns:a="http://schemas.openxmlformats.org/drawingml/2006/main" xmlns:r="http://schemas.openxmlformats.org/officeDocument/2006/relationships" xmlns:p="http://schemas.openxmlformats.org/presentationml/2006/main">
-  <p:cSld>
-    <p:spTree>
-      <p:nvGrpSpPr>
-        <p:cNvPr id="1" name=""/>
-        <p:cNvGrpSpPr/>
-        <p:nvPr/>
-      </p:nvGrpSpPr>
-      <p:grpSpPr>
-        <a:xfrm>
-          <a:off x="0" y="0"/>
-          <a:ext cx="0" cy="0"/>
-          <a:chOff x="0" y="0"/>
-          <a:chExt cx="0" cy="0"/>
-        </a:xfrm>
-      </p:grpSpPr>
-      <p:pic>
-        <p:nvPicPr>
-          <p:cNvPr id="5" name="Picture 4">
-            <a:extLst>
-              <a:ext uri="{FF2B5EF4-FFF2-40B4-BE49-F238E27FC236}">
-                <a16:creationId xmlns:a16="http://schemas.microsoft.com/office/drawing/2014/main" id="{91E8296E-13FA-45D3-BFA3-FF749ECC83DF}"/>
-              </a:ext>
-            </a:extLst>
-          </p:cNvPr>
-          <p:cNvPicPr>
-            <a:picLocks noChangeAspect="1"/>
-          </p:cNvPicPr>
-          <p:nvPr/>
-        </p:nvPicPr>
-        <p:blipFill>
-          <a:blip r:embed="rId2">
-            <a:extLst>
-              <a:ext uri="{28A0092B-C50C-407E-A947-70E740481C1C}">
-                <a14:useLocalDpi xmlns:a14="http://schemas.microsoft.com/office/drawing/2010/main" val="0"/>
-              </a:ext>
-            </a:extLst>
-          </a:blip>
-          <a:stretch>
-            <a:fillRect/>
-          </a:stretch>
-        </p:blipFill>
-        <p:spPr>
-          <a:xfrm>
-            <a:off x="0" y="0"/>
-            <a:ext cx="12192000" cy="6858000"/>
-          </a:xfrm>
-          <a:prstGeom prst="rect">
-            <a:avLst/>
-          </a:prstGeom>
-        </p:spPr>
-      </p:pic>
-      <p:sp>
-        <p:nvSpPr>
-          <p:cNvPr id="2" name="Title 1">
-            <a:extLst>
-              <a:ext uri="{FF2B5EF4-FFF2-40B4-BE49-F238E27FC236}">
-                <a16:creationId xmlns:a16="http://schemas.microsoft.com/office/drawing/2014/main" id="{82993237-8A59-402A-9007-D44810D671FF}"/>
-              </a:ext>
-            </a:extLst>
-          </p:cNvPr>
-          <p:cNvSpPr>
-            <a:spLocks noGrp="1"/>
-          </p:cNvSpPr>
-          <p:nvPr>
-            <p:ph type="title"/>
-          </p:nvPr>
-        </p:nvSpPr>
-        <p:spPr/>
-        <p:txBody>
-          <a:bodyPr/>
-          <a:lstStyle/>
-          <a:p>
-            <a:r>
-              <a:rPr lang="en-IN" dirty="0"/>
-              <a:t>	 How efficient is the system for sending  		            relief materials optimally?</a:t>
-            </a:r>
-          </a:p>
-        </p:txBody>
-      </p:sp>
-      <p:sp>
-        <p:nvSpPr>
-          <p:cNvPr id="3" name="Content Placeholder 2">
-            <a:extLst>
-              <a:ext uri="{FF2B5EF4-FFF2-40B4-BE49-F238E27FC236}">
-                <a16:creationId xmlns:a16="http://schemas.microsoft.com/office/drawing/2014/main" id="{517CFCF5-21AF-4A43-919D-38D76D512CAE}"/>
-              </a:ext>
-            </a:extLst>
-          </p:cNvPr>
-          <p:cNvSpPr>
-            <a:spLocks noGrp="1"/>
-          </p:cNvSpPr>
-          <p:nvPr>
-            <p:ph idx="1"/>
-          </p:nvPr>
-        </p:nvSpPr>
-        <p:spPr>
-          <a:xfrm>
-            <a:off x="838200" y="3192787"/>
-            <a:ext cx="10844814" cy="1965139"/>
-          </a:xfrm>
-        </p:spPr>
-        <p:txBody>
-          <a:bodyPr>
-            <a:normAutofit/>
-          </a:bodyPr>
-          <a:lstStyle/>
-          <a:p>
-            <a:pPr marL="0" indent="0" fontAlgn="base">
-              <a:buNone/>
-            </a:pPr>
-            <a:r>
-              <a:rPr lang="en-US" dirty="0"/>
-              <a:t>			         RECENT KERALA FLOODS</a:t>
-            </a:r>
-          </a:p>
-          <a:p>
-            <a:pPr marL="0" indent="0" fontAlgn="base">
-              <a:buNone/>
-            </a:pPr>
-            <a:r>
-              <a:rPr lang="en-US" dirty="0"/>
-              <a:t>     </a:t>
-            </a:r>
-          </a:p>
-          <a:p>
-            <a:pPr marL="0" indent="0" algn="ctr" fontAlgn="base">
-              <a:buNone/>
-            </a:pPr>
-            <a:r>
-              <a:rPr lang="en-US" dirty="0"/>
-              <a:t>Rescue teams are getting many fake messages and outdated information about incidents that have occurred many days ago.</a:t>
-            </a:r>
-          </a:p>
-        </p:txBody>
-      </p:sp>
-    </p:spTree>
-    <p:extLst>
-      <p:ext uri="{BB962C8B-B14F-4D97-AF65-F5344CB8AC3E}">
-        <p14:creationId xmlns:p14="http://schemas.microsoft.com/office/powerpoint/2010/main" val="1894401619"/>
       </p:ext>
     </p:extLst>
   </p:cSld>
@@ -4397,7 +4856,7 @@
           <p:cNvPr id="5" name="Picture 4">
             <a:extLst>
               <a:ext uri="{FF2B5EF4-FFF2-40B4-BE49-F238E27FC236}">
-                <a16:creationId xmlns:a16="http://schemas.microsoft.com/office/drawing/2014/main" id="{D73C36C7-B2F1-43B9-814A-C8678A23E1B9}"/>
+                <a16:creationId xmlns:a16="http://schemas.microsoft.com/office/drawing/2014/main" id="{28899741-2C57-4B76-8D83-76C605B06868}"/>
               </a:ext>
             </a:extLst>
           </p:cNvPr>
@@ -4433,21 +4892,21 @@
           <p:cNvPr id="2" name="Title 1">
             <a:extLst>
               <a:ext uri="{FF2B5EF4-FFF2-40B4-BE49-F238E27FC236}">
-                <a16:creationId xmlns:a16="http://schemas.microsoft.com/office/drawing/2014/main" id="{E41F18D7-0A1C-470F-924C-261533A242BB}"/>
-              </a:ext>
-            </a:extLst>
-          </p:cNvPr>
-          <p:cNvSpPr>
-            <a:spLocks noGrp="1"/>
-          </p:cNvSpPr>
-          <p:nvPr>
-            <p:ph type="title"/>
+                <a16:creationId xmlns:a16="http://schemas.microsoft.com/office/drawing/2014/main" id="{D0FA2EF5-1098-4A51-A6E2-1E5DA371EBD6}"/>
+              </a:ext>
+            </a:extLst>
+          </p:cNvPr>
+          <p:cNvSpPr>
+            <a:spLocks noGrp="1"/>
+          </p:cNvSpPr>
+          <p:nvPr>
+            <p:ph type="ctrTitle"/>
           </p:nvPr>
         </p:nvSpPr>
         <p:spPr>
           <a:xfrm>
-            <a:off x="838199" y="2766218"/>
-            <a:ext cx="10596239" cy="1717005"/>
+            <a:off x="1612777" y="612560"/>
+            <a:ext cx="9144000" cy="1376038"/>
           </a:xfrm>
         </p:spPr>
         <p:txBody>
@@ -4456,58 +4915,71 @@
           </a:bodyPr>
           <a:lstStyle/>
           <a:p>
-            <a:pPr algn="ctr"/>
             <a:r>
               <a:rPr lang="en-IN" dirty="0"/>
-              <a:t>Here is where                 comes into the </a:t>
+              <a:t>Is relief material actually reaching?</a:t>
+            </a:r>
+          </a:p>
+        </p:txBody>
+      </p:sp>
+      <p:sp>
+        <p:nvSpPr>
+          <p:cNvPr id="3" name="Subtitle 2">
+            <a:extLst>
+              <a:ext uri="{FF2B5EF4-FFF2-40B4-BE49-F238E27FC236}">
+                <a16:creationId xmlns:a16="http://schemas.microsoft.com/office/drawing/2014/main" id="{258A4131-B003-41B4-981A-CCBD64FF15FA}"/>
+              </a:ext>
+            </a:extLst>
+          </p:cNvPr>
+          <p:cNvSpPr>
+            <a:spLocks noGrp="1"/>
+          </p:cNvSpPr>
+          <p:nvPr>
+            <p:ph type="subTitle" idx="1"/>
+          </p:nvPr>
+        </p:nvSpPr>
+        <p:spPr>
+          <a:xfrm>
+            <a:off x="1524000" y="2929631"/>
+            <a:ext cx="9144000" cy="3100526"/>
+          </a:xfrm>
+        </p:spPr>
+        <p:txBody>
+          <a:bodyPr>
+            <a:noAutofit/>
+          </a:bodyPr>
+          <a:lstStyle/>
+          <a:p>
+            <a:r>
+              <a:rPr lang="en-US" cap="all" dirty="0"/>
+              <a:t>RecENT ASSAM FLOODS</a:t>
+            </a:r>
+          </a:p>
+          <a:p>
+            <a:r>
+              <a:rPr lang="en-US" dirty="0"/>
+              <a:t>Close to 12 lakh people in 24 districts of Assam continued to reel under floods as the death toll reached 59 in the state.</a:t>
+            </a:r>
+          </a:p>
+          <a:p>
+            <a:r>
+              <a:rPr lang="en-US" dirty="0"/>
+              <a:t>Meanwhile, though the district administration has been claiming to have distributed sufficient relief material, there were reports from different flood hit areas regarding non receipt of adequate relief materials.</a:t>
             </a:r>
             <a:br>
-              <a:rPr lang="en-IN" dirty="0"/>
+              <a:rPr lang="en-US" dirty="0"/>
             </a:br>
             <a:br>
-              <a:rPr lang="en-IN" dirty="0"/>
+              <a:rPr lang="en-US" dirty="0"/>
             </a:br>
-            <a:r>
-              <a:rPr lang="en-IN" dirty="0"/>
-              <a:t>picture… </a:t>
-            </a:r>
-          </a:p>
-        </p:txBody>
-      </p:sp>
-      <p:pic>
-        <p:nvPicPr>
-          <p:cNvPr id="6" name="Picture 5">
-            <a:extLst>
-              <a:ext uri="{FF2B5EF4-FFF2-40B4-BE49-F238E27FC236}">
-                <a16:creationId xmlns:a16="http://schemas.microsoft.com/office/drawing/2014/main" id="{9CDDC005-A364-4072-80C3-1424018A4C6A}"/>
-              </a:ext>
-            </a:extLst>
-          </p:cNvPr>
-          <p:cNvPicPr>
-            <a:picLocks noChangeAspect="1"/>
-          </p:cNvPicPr>
-          <p:nvPr/>
-        </p:nvPicPr>
-        <p:blipFill>
-          <a:blip r:embed="rId3"/>
-          <a:stretch>
-            <a:fillRect/>
-          </a:stretch>
-        </p:blipFill>
-        <p:spPr>
-          <a:xfrm>
-            <a:off x="5317724" y="2633254"/>
-            <a:ext cx="1387320" cy="795746"/>
-          </a:xfrm>
-          <a:prstGeom prst="rect">
-            <a:avLst/>
-          </a:prstGeom>
-        </p:spPr>
-      </p:pic>
+            <a:endParaRPr lang="en-IN" dirty="0"/>
+          </a:p>
+        </p:txBody>
+      </p:sp>
     </p:spTree>
     <p:extLst>
       <p:ext uri="{BB962C8B-B14F-4D97-AF65-F5344CB8AC3E}">
-        <p14:creationId xmlns:p14="http://schemas.microsoft.com/office/powerpoint/2010/main" val="4256819484"/>
+        <p14:creationId xmlns:p14="http://schemas.microsoft.com/office/powerpoint/2010/main" val="2491686091"/>
       </p:ext>
     </p:extLst>
   </p:cSld>
@@ -4536,6 +5008,298 @@
       </p:grpSpPr>
       <p:pic>
         <p:nvPicPr>
+          <p:cNvPr id="5" name="Picture 4">
+            <a:extLst>
+              <a:ext uri="{FF2B5EF4-FFF2-40B4-BE49-F238E27FC236}">
+                <a16:creationId xmlns:a16="http://schemas.microsoft.com/office/drawing/2014/main" id="{91E8296E-13FA-45D3-BFA3-FF749ECC83DF}"/>
+              </a:ext>
+            </a:extLst>
+          </p:cNvPr>
+          <p:cNvPicPr>
+            <a:picLocks noChangeAspect="1"/>
+          </p:cNvPicPr>
+          <p:nvPr/>
+        </p:nvPicPr>
+        <p:blipFill>
+          <a:blip r:embed="rId2">
+            <a:extLst>
+              <a:ext uri="{28A0092B-C50C-407E-A947-70E740481C1C}">
+                <a14:useLocalDpi xmlns:a14="http://schemas.microsoft.com/office/drawing/2010/main" val="0"/>
+              </a:ext>
+            </a:extLst>
+          </a:blip>
+          <a:stretch>
+            <a:fillRect/>
+          </a:stretch>
+        </p:blipFill>
+        <p:spPr>
+          <a:xfrm>
+            <a:off x="0" y="0"/>
+            <a:ext cx="12192000" cy="6858000"/>
+          </a:xfrm>
+          <a:prstGeom prst="rect">
+            <a:avLst/>
+          </a:prstGeom>
+        </p:spPr>
+      </p:pic>
+      <p:sp>
+        <p:nvSpPr>
+          <p:cNvPr id="2" name="Title 1">
+            <a:extLst>
+              <a:ext uri="{FF2B5EF4-FFF2-40B4-BE49-F238E27FC236}">
+                <a16:creationId xmlns:a16="http://schemas.microsoft.com/office/drawing/2014/main" id="{82993237-8A59-402A-9007-D44810D671FF}"/>
+              </a:ext>
+            </a:extLst>
+          </p:cNvPr>
+          <p:cNvSpPr>
+            <a:spLocks noGrp="1"/>
+          </p:cNvSpPr>
+          <p:nvPr>
+            <p:ph type="title"/>
+          </p:nvPr>
+        </p:nvSpPr>
+        <p:spPr/>
+        <p:txBody>
+          <a:bodyPr/>
+          <a:lstStyle/>
+          <a:p>
+            <a:r>
+              <a:rPr lang="en-IN" dirty="0"/>
+              <a:t>	 How efficient is the system for sending  		            relief materials optimally?</a:t>
+            </a:r>
+          </a:p>
+        </p:txBody>
+      </p:sp>
+      <p:sp>
+        <p:nvSpPr>
+          <p:cNvPr id="3" name="Content Placeholder 2">
+            <a:extLst>
+              <a:ext uri="{FF2B5EF4-FFF2-40B4-BE49-F238E27FC236}">
+                <a16:creationId xmlns:a16="http://schemas.microsoft.com/office/drawing/2014/main" id="{517CFCF5-21AF-4A43-919D-38D76D512CAE}"/>
+              </a:ext>
+            </a:extLst>
+          </p:cNvPr>
+          <p:cNvSpPr>
+            <a:spLocks noGrp="1"/>
+          </p:cNvSpPr>
+          <p:nvPr>
+            <p:ph idx="1"/>
+          </p:nvPr>
+        </p:nvSpPr>
+        <p:spPr>
+          <a:xfrm>
+            <a:off x="838200" y="3192787"/>
+            <a:ext cx="10844814" cy="1965139"/>
+          </a:xfrm>
+        </p:spPr>
+        <p:txBody>
+          <a:bodyPr>
+            <a:normAutofit/>
+          </a:bodyPr>
+          <a:lstStyle/>
+          <a:p>
+            <a:pPr marL="0" indent="0" fontAlgn="base">
+              <a:buNone/>
+            </a:pPr>
+            <a:r>
+              <a:rPr lang="en-US" dirty="0"/>
+              <a:t>			         RECENT KERALA FLOODS</a:t>
+            </a:r>
+          </a:p>
+          <a:p>
+            <a:pPr marL="0" indent="0" fontAlgn="base">
+              <a:buNone/>
+            </a:pPr>
+            <a:r>
+              <a:rPr lang="en-US" dirty="0"/>
+              <a:t>     </a:t>
+            </a:r>
+          </a:p>
+          <a:p>
+            <a:pPr marL="0" indent="0" algn="ctr" fontAlgn="base">
+              <a:buNone/>
+            </a:pPr>
+            <a:r>
+              <a:rPr lang="en-US" dirty="0"/>
+              <a:t>Rescue teams are getting many fake messages and outdated information about incidents that have occurred many days ago.</a:t>
+            </a:r>
+          </a:p>
+        </p:txBody>
+      </p:sp>
+    </p:spTree>
+    <p:extLst>
+      <p:ext uri="{BB962C8B-B14F-4D97-AF65-F5344CB8AC3E}">
+        <p14:creationId xmlns:p14="http://schemas.microsoft.com/office/powerpoint/2010/main" val="1894401619"/>
+      </p:ext>
+    </p:extLst>
+  </p:cSld>
+  <p:clrMapOvr>
+    <a:masterClrMapping/>
+  </p:clrMapOvr>
+</p:sld>
+</file>
+
+<file path=ppt/slides/slide7.xml><?xml version="1.0" encoding="utf-8"?>
+<p:sld xmlns:a="http://schemas.openxmlformats.org/drawingml/2006/main" xmlns:r="http://schemas.openxmlformats.org/officeDocument/2006/relationships" xmlns:p="http://schemas.openxmlformats.org/presentationml/2006/main">
+  <p:cSld>
+    <p:spTree>
+      <p:nvGrpSpPr>
+        <p:cNvPr id="1" name=""/>
+        <p:cNvGrpSpPr/>
+        <p:nvPr/>
+      </p:nvGrpSpPr>
+      <p:grpSpPr>
+        <a:xfrm>
+          <a:off x="0" y="0"/>
+          <a:ext cx="0" cy="0"/>
+          <a:chOff x="0" y="0"/>
+          <a:chExt cx="0" cy="0"/>
+        </a:xfrm>
+      </p:grpSpPr>
+      <p:pic>
+        <p:nvPicPr>
+          <p:cNvPr id="5" name="Picture 4">
+            <a:extLst>
+              <a:ext uri="{FF2B5EF4-FFF2-40B4-BE49-F238E27FC236}">
+                <a16:creationId xmlns:a16="http://schemas.microsoft.com/office/drawing/2014/main" id="{D73C36C7-B2F1-43B9-814A-C8678A23E1B9}"/>
+              </a:ext>
+            </a:extLst>
+          </p:cNvPr>
+          <p:cNvPicPr>
+            <a:picLocks noChangeAspect="1"/>
+          </p:cNvPicPr>
+          <p:nvPr/>
+        </p:nvPicPr>
+        <p:blipFill>
+          <a:blip r:embed="rId2">
+            <a:extLst>
+              <a:ext uri="{28A0092B-C50C-407E-A947-70E740481C1C}">
+                <a14:useLocalDpi xmlns:a14="http://schemas.microsoft.com/office/drawing/2010/main" val="0"/>
+              </a:ext>
+            </a:extLst>
+          </a:blip>
+          <a:stretch>
+            <a:fillRect/>
+          </a:stretch>
+        </p:blipFill>
+        <p:spPr>
+          <a:xfrm>
+            <a:off x="0" y="0"/>
+            <a:ext cx="12192000" cy="6858000"/>
+          </a:xfrm>
+          <a:prstGeom prst="rect">
+            <a:avLst/>
+          </a:prstGeom>
+        </p:spPr>
+      </p:pic>
+      <p:sp>
+        <p:nvSpPr>
+          <p:cNvPr id="2" name="Title 1">
+            <a:extLst>
+              <a:ext uri="{FF2B5EF4-FFF2-40B4-BE49-F238E27FC236}">
+                <a16:creationId xmlns:a16="http://schemas.microsoft.com/office/drawing/2014/main" id="{E41F18D7-0A1C-470F-924C-261533A242BB}"/>
+              </a:ext>
+            </a:extLst>
+          </p:cNvPr>
+          <p:cNvSpPr>
+            <a:spLocks noGrp="1"/>
+          </p:cNvSpPr>
+          <p:nvPr>
+            <p:ph type="title"/>
+          </p:nvPr>
+        </p:nvSpPr>
+        <p:spPr>
+          <a:xfrm>
+            <a:off x="838199" y="2766218"/>
+            <a:ext cx="10596239" cy="1717005"/>
+          </a:xfrm>
+        </p:spPr>
+        <p:txBody>
+          <a:bodyPr>
+            <a:normAutofit fontScale="90000"/>
+          </a:bodyPr>
+          <a:lstStyle/>
+          <a:p>
+            <a:pPr algn="ctr"/>
+            <a:r>
+              <a:rPr lang="en-IN" dirty="0"/>
+              <a:t>Here is where                 comes into the </a:t>
+            </a:r>
+            <a:br>
+              <a:rPr lang="en-IN" dirty="0"/>
+            </a:br>
+            <a:br>
+              <a:rPr lang="en-IN" dirty="0"/>
+            </a:br>
+            <a:r>
+              <a:rPr lang="en-IN" dirty="0"/>
+              <a:t>picture… </a:t>
+            </a:r>
+          </a:p>
+        </p:txBody>
+      </p:sp>
+      <p:pic>
+        <p:nvPicPr>
+          <p:cNvPr id="6" name="Picture 5">
+            <a:extLst>
+              <a:ext uri="{FF2B5EF4-FFF2-40B4-BE49-F238E27FC236}">
+                <a16:creationId xmlns:a16="http://schemas.microsoft.com/office/drawing/2014/main" id="{9CDDC005-A364-4072-80C3-1424018A4C6A}"/>
+              </a:ext>
+            </a:extLst>
+          </p:cNvPr>
+          <p:cNvPicPr>
+            <a:picLocks noChangeAspect="1"/>
+          </p:cNvPicPr>
+          <p:nvPr/>
+        </p:nvPicPr>
+        <p:blipFill>
+          <a:blip r:embed="rId3"/>
+          <a:stretch>
+            <a:fillRect/>
+          </a:stretch>
+        </p:blipFill>
+        <p:spPr>
+          <a:xfrm>
+            <a:off x="5317724" y="2633254"/>
+            <a:ext cx="1387320" cy="795746"/>
+          </a:xfrm>
+          <a:prstGeom prst="rect">
+            <a:avLst/>
+          </a:prstGeom>
+        </p:spPr>
+      </p:pic>
+    </p:spTree>
+    <p:extLst>
+      <p:ext uri="{BB962C8B-B14F-4D97-AF65-F5344CB8AC3E}">
+        <p14:creationId xmlns:p14="http://schemas.microsoft.com/office/powerpoint/2010/main" val="4256819484"/>
+      </p:ext>
+    </p:extLst>
+  </p:cSld>
+  <p:clrMapOvr>
+    <a:masterClrMapping/>
+  </p:clrMapOvr>
+</p:sld>
+</file>
+
+<file path=ppt/slides/slide8.xml><?xml version="1.0" encoding="utf-8"?>
+<p:sld xmlns:a="http://schemas.openxmlformats.org/drawingml/2006/main" xmlns:r="http://schemas.openxmlformats.org/officeDocument/2006/relationships" xmlns:p="http://schemas.openxmlformats.org/presentationml/2006/main">
+  <p:cSld>
+    <p:spTree>
+      <p:nvGrpSpPr>
+        <p:cNvPr id="1" name=""/>
+        <p:cNvGrpSpPr/>
+        <p:nvPr/>
+      </p:nvGrpSpPr>
+      <p:grpSpPr>
+        <a:xfrm>
+          <a:off x="0" y="0"/>
+          <a:ext cx="0" cy="0"/>
+          <a:chOff x="0" y="0"/>
+          <a:chExt cx="0" cy="0"/>
+        </a:xfrm>
+      </p:grpSpPr>
+      <p:pic>
+        <p:nvPicPr>
           <p:cNvPr id="6" name="Picture 5">
             <a:extLst>
               <a:ext uri="{FF2B5EF4-FFF2-40B4-BE49-F238E27FC236}">
@@ -4688,7 +5452,7 @@
 </p:sld>
 </file>
 
-<file path=ppt/slides/slide7.xml><?xml version="1.0" encoding="utf-8"?>
+<file path=ppt/slides/slide9.xml><?xml version="1.0" encoding="utf-8"?>
 <p:sld xmlns:a="http://schemas.openxmlformats.org/drawingml/2006/main" xmlns:r="http://schemas.openxmlformats.org/officeDocument/2006/relationships" xmlns:p="http://schemas.openxmlformats.org/presentationml/2006/main">
   <p:cSld>
     <p:spTree>
@@ -5054,492 +5818,6 @@
     <p:extLst>
       <p:ext uri="{BB962C8B-B14F-4D97-AF65-F5344CB8AC3E}">
         <p14:creationId xmlns:p14="http://schemas.microsoft.com/office/powerpoint/2010/main" val="2343568423"/>
-      </p:ext>
-    </p:extLst>
-  </p:cSld>
-  <p:clrMapOvr>
-    <a:masterClrMapping/>
-  </p:clrMapOvr>
-</p:sld>
-</file>
-
-<file path=ppt/slides/slide8.xml><?xml version="1.0" encoding="utf-8"?>
-<p:sld xmlns:a="http://schemas.openxmlformats.org/drawingml/2006/main" xmlns:r="http://schemas.openxmlformats.org/officeDocument/2006/relationships" xmlns:p="http://schemas.openxmlformats.org/presentationml/2006/main">
-  <p:cSld>
-    <p:spTree>
-      <p:nvGrpSpPr>
-        <p:cNvPr id="1" name=""/>
-        <p:cNvGrpSpPr/>
-        <p:nvPr/>
-      </p:nvGrpSpPr>
-      <p:grpSpPr>
-        <a:xfrm>
-          <a:off x="0" y="0"/>
-          <a:ext cx="0" cy="0"/>
-          <a:chOff x="0" y="0"/>
-          <a:chExt cx="0" cy="0"/>
-        </a:xfrm>
-      </p:grpSpPr>
-      <p:pic>
-        <p:nvPicPr>
-          <p:cNvPr id="16" name="Picture 15">
-            <a:extLst>
-              <a:ext uri="{FF2B5EF4-FFF2-40B4-BE49-F238E27FC236}">
-                <a16:creationId xmlns:a16="http://schemas.microsoft.com/office/drawing/2014/main" id="{F60A8A09-95BB-48DB-A955-7C25AFFA8256}"/>
-              </a:ext>
-            </a:extLst>
-          </p:cNvPr>
-          <p:cNvPicPr>
-            <a:picLocks noChangeAspect="1"/>
-          </p:cNvPicPr>
-          <p:nvPr/>
-        </p:nvPicPr>
-        <p:blipFill>
-          <a:blip r:embed="rId2">
-            <a:extLst>
-              <a:ext uri="{28A0092B-C50C-407E-A947-70E740481C1C}">
-                <a14:useLocalDpi xmlns:a14="http://schemas.microsoft.com/office/drawing/2010/main" val="0"/>
-              </a:ext>
-            </a:extLst>
-          </a:blip>
-          <a:stretch>
-            <a:fillRect/>
-          </a:stretch>
-        </p:blipFill>
-        <p:spPr>
-          <a:xfrm>
-            <a:off x="0" y="0"/>
-            <a:ext cx="12192000" cy="6858000"/>
-          </a:xfrm>
-          <a:prstGeom prst="rect">
-            <a:avLst/>
-          </a:prstGeom>
-        </p:spPr>
-      </p:pic>
-      <p:sp>
-        <p:nvSpPr>
-          <p:cNvPr id="2" name="Title 1">
-            <a:extLst>
-              <a:ext uri="{FF2B5EF4-FFF2-40B4-BE49-F238E27FC236}">
-                <a16:creationId xmlns:a16="http://schemas.microsoft.com/office/drawing/2014/main" id="{2E45C00F-36E1-4B98-AABB-51FB4EB138DF}"/>
-              </a:ext>
-            </a:extLst>
-          </p:cNvPr>
-          <p:cNvSpPr>
-            <a:spLocks noGrp="1"/>
-          </p:cNvSpPr>
-          <p:nvPr>
-            <p:ph type="title"/>
-          </p:nvPr>
-        </p:nvSpPr>
-        <p:spPr>
-          <a:xfrm>
-            <a:off x="5159312" y="1026195"/>
-            <a:ext cx="6540716" cy="1325563"/>
-          </a:xfrm>
-        </p:spPr>
-        <p:txBody>
-          <a:bodyPr/>
-          <a:lstStyle/>
-          <a:p>
-            <a:pPr algn="ctr"/>
-            <a:r>
-              <a:rPr lang="en-IN" dirty="0"/>
-              <a:t>Donations made Easy!</a:t>
-            </a:r>
-          </a:p>
-        </p:txBody>
-      </p:sp>
-      <p:sp>
-        <p:nvSpPr>
-          <p:cNvPr id="15" name="TextBox 14">
-            <a:extLst>
-              <a:ext uri="{FF2B5EF4-FFF2-40B4-BE49-F238E27FC236}">
-                <a16:creationId xmlns:a16="http://schemas.microsoft.com/office/drawing/2014/main" id="{731B76E3-AD62-4D5D-BE48-5F20EAB43805}"/>
-              </a:ext>
-            </a:extLst>
-          </p:cNvPr>
-          <p:cNvSpPr txBox="1"/>
-          <p:nvPr/>
-        </p:nvSpPr>
-        <p:spPr>
-          <a:xfrm>
-            <a:off x="5193437" y="2965142"/>
-            <a:ext cx="6347534" cy="3046988"/>
-          </a:xfrm>
-          <a:prstGeom prst="rect">
-            <a:avLst/>
-          </a:prstGeom>
-          <a:noFill/>
-        </p:spPr>
-        <p:txBody>
-          <a:bodyPr wrap="square" rtlCol="0">
-            <a:spAutoFit/>
-          </a:bodyPr>
-          <a:lstStyle/>
-          <a:p>
-            <a:r>
-              <a:rPr lang="en-IN" sz="2400" dirty="0"/>
-              <a:t>You scan donate money or you can just share the reference code of the order of relief materials with us.</a:t>
-            </a:r>
-          </a:p>
-          <a:p>
-            <a:endParaRPr lang="en-IN" sz="2400" dirty="0"/>
-          </a:p>
-          <a:p>
-            <a:r>
-              <a:rPr lang="en-IN" sz="2400" dirty="0"/>
-              <a:t>You can also shop for relief items through our portal!</a:t>
-            </a:r>
-          </a:p>
-          <a:p>
-            <a:endParaRPr lang="en-IN" sz="2400" dirty="0"/>
-          </a:p>
-          <a:p>
-            <a:r>
-              <a:rPr lang="en-IN" sz="2400" dirty="0"/>
-              <a:t>All these donations are directed to NGOs</a:t>
-            </a:r>
-          </a:p>
-        </p:txBody>
-      </p:sp>
-      <p:grpSp>
-        <p:nvGrpSpPr>
-          <p:cNvPr id="7" name="Group 6">
-            <a:extLst>
-              <a:ext uri="{FF2B5EF4-FFF2-40B4-BE49-F238E27FC236}">
-                <a16:creationId xmlns:a16="http://schemas.microsoft.com/office/drawing/2014/main" id="{ECCC6C7F-322D-49A4-BED8-820508EDB91E}"/>
-              </a:ext>
-            </a:extLst>
-          </p:cNvPr>
-          <p:cNvGrpSpPr/>
-          <p:nvPr/>
-        </p:nvGrpSpPr>
-        <p:grpSpPr>
-          <a:xfrm>
-            <a:off x="0" y="1305016"/>
-            <a:ext cx="4418121" cy="4620781"/>
-            <a:chOff x="4065973" y="1398973"/>
-            <a:chExt cx="5011352" cy="5011352"/>
-          </a:xfrm>
-        </p:grpSpPr>
-        <p:pic>
-          <p:nvPicPr>
-            <p:cNvPr id="4" name="Picture 3">
-              <a:extLst>
-                <a:ext uri="{FF2B5EF4-FFF2-40B4-BE49-F238E27FC236}">
-                  <a16:creationId xmlns:a16="http://schemas.microsoft.com/office/drawing/2014/main" id="{2C0A6BFB-71BD-4116-ABC7-2BDA1672E081}"/>
-                </a:ext>
-              </a:extLst>
-            </p:cNvPr>
-            <p:cNvPicPr>
-              <a:picLocks noChangeAspect="1"/>
-            </p:cNvPicPr>
-            <p:nvPr/>
-          </p:nvPicPr>
-          <p:blipFill>
-            <a:blip r:embed="rId3">
-              <a:extLst>
-                <a:ext uri="{28A0092B-C50C-407E-A947-70E740481C1C}">
-                  <a14:useLocalDpi xmlns:a14="http://schemas.microsoft.com/office/drawing/2010/main" val="0"/>
-                </a:ext>
-              </a:extLst>
-            </a:blip>
-            <a:stretch>
-              <a:fillRect/>
-            </a:stretch>
-          </p:blipFill>
-          <p:spPr>
-            <a:xfrm>
-              <a:off x="4065973" y="1398973"/>
-              <a:ext cx="5011352" cy="5011352"/>
-            </a:xfrm>
-            <a:prstGeom prst="rect">
-              <a:avLst/>
-            </a:prstGeom>
-          </p:spPr>
-        </p:pic>
-        <p:pic>
-          <p:nvPicPr>
-            <p:cNvPr id="6" name="Picture 5">
-              <a:extLst>
-                <a:ext uri="{FF2B5EF4-FFF2-40B4-BE49-F238E27FC236}">
-                  <a16:creationId xmlns:a16="http://schemas.microsoft.com/office/drawing/2014/main" id="{F3CB9F57-07BF-4C49-A0C1-2ED9A36A7564}"/>
-                </a:ext>
-              </a:extLst>
-            </p:cNvPr>
-            <p:cNvPicPr>
-              <a:picLocks noChangeAspect="1"/>
-            </p:cNvPicPr>
-            <p:nvPr/>
-          </p:nvPicPr>
-          <p:blipFill>
-            <a:blip r:embed="rId4">
-              <a:extLst>
-                <a:ext uri="{28A0092B-C50C-407E-A947-70E740481C1C}">
-                  <a14:useLocalDpi xmlns:a14="http://schemas.microsoft.com/office/drawing/2010/main" val="0"/>
-                </a:ext>
-              </a:extLst>
-            </a:blip>
-            <a:stretch>
-              <a:fillRect/>
-            </a:stretch>
-          </p:blipFill>
-          <p:spPr>
-            <a:xfrm>
-              <a:off x="4929280" y="2715659"/>
-              <a:ext cx="3284738" cy="2060527"/>
-            </a:xfrm>
-            <a:prstGeom prst="rect">
-              <a:avLst/>
-            </a:prstGeom>
-          </p:spPr>
-        </p:pic>
-      </p:grpSp>
-    </p:spTree>
-    <p:extLst>
-      <p:ext uri="{BB962C8B-B14F-4D97-AF65-F5344CB8AC3E}">
-        <p14:creationId xmlns:p14="http://schemas.microsoft.com/office/powerpoint/2010/main" val="3656368247"/>
-      </p:ext>
-    </p:extLst>
-  </p:cSld>
-  <p:clrMapOvr>
-    <a:masterClrMapping/>
-  </p:clrMapOvr>
-</p:sld>
-</file>
-
-<file path=ppt/slides/slide9.xml><?xml version="1.0" encoding="utf-8"?>
-<p:sld xmlns:a="http://schemas.openxmlformats.org/drawingml/2006/main" xmlns:r="http://schemas.openxmlformats.org/officeDocument/2006/relationships" xmlns:p="http://schemas.openxmlformats.org/presentationml/2006/main">
-  <p:cSld>
-    <p:spTree>
-      <p:nvGrpSpPr>
-        <p:cNvPr id="1" name=""/>
-        <p:cNvGrpSpPr/>
-        <p:nvPr/>
-      </p:nvGrpSpPr>
-      <p:grpSpPr>
-        <a:xfrm>
-          <a:off x="0" y="0"/>
-          <a:ext cx="0" cy="0"/>
-          <a:chOff x="0" y="0"/>
-          <a:chExt cx="0" cy="0"/>
-        </a:xfrm>
-      </p:grpSpPr>
-      <p:pic>
-        <p:nvPicPr>
-          <p:cNvPr id="16" name="Picture 15">
-            <a:extLst>
-              <a:ext uri="{FF2B5EF4-FFF2-40B4-BE49-F238E27FC236}">
-                <a16:creationId xmlns:a16="http://schemas.microsoft.com/office/drawing/2014/main" id="{F2E030E8-D7C3-4032-8E55-122842E9D367}"/>
-              </a:ext>
-            </a:extLst>
-          </p:cNvPr>
-          <p:cNvPicPr>
-            <a:picLocks noChangeAspect="1"/>
-          </p:cNvPicPr>
-          <p:nvPr/>
-        </p:nvPicPr>
-        <p:blipFill>
-          <a:blip r:embed="rId2">
-            <a:extLst>
-              <a:ext uri="{28A0092B-C50C-407E-A947-70E740481C1C}">
-                <a14:useLocalDpi xmlns:a14="http://schemas.microsoft.com/office/drawing/2010/main" val="0"/>
-              </a:ext>
-            </a:extLst>
-          </a:blip>
-          <a:stretch>
-            <a:fillRect/>
-          </a:stretch>
-        </p:blipFill>
-        <p:spPr>
-          <a:xfrm>
-            <a:off x="0" y="0"/>
-            <a:ext cx="12192000" cy="6858000"/>
-          </a:xfrm>
-          <a:prstGeom prst="rect">
-            <a:avLst/>
-          </a:prstGeom>
-        </p:spPr>
-      </p:pic>
-      <p:sp>
-        <p:nvSpPr>
-          <p:cNvPr id="2" name="Title 1">
-            <a:extLst>
-              <a:ext uri="{FF2B5EF4-FFF2-40B4-BE49-F238E27FC236}">
-                <a16:creationId xmlns:a16="http://schemas.microsoft.com/office/drawing/2014/main" id="{F0E35E16-2027-4469-84C9-F71A8813F0F9}"/>
-              </a:ext>
-            </a:extLst>
-          </p:cNvPr>
-          <p:cNvSpPr>
-            <a:spLocks noGrp="1"/>
-          </p:cNvSpPr>
-          <p:nvPr>
-            <p:ph type="title"/>
-          </p:nvPr>
-        </p:nvSpPr>
-        <p:spPr>
-          <a:xfrm>
-            <a:off x="4136994" y="365125"/>
-            <a:ext cx="7216806" cy="1325563"/>
-          </a:xfrm>
-        </p:spPr>
-        <p:txBody>
-          <a:bodyPr/>
-          <a:lstStyle/>
-          <a:p>
-            <a:pPr algn="ctr"/>
-            <a:r>
-              <a:rPr lang="en-IN" dirty="0"/>
-              <a:t>Request Relief</a:t>
-            </a:r>
-          </a:p>
-        </p:txBody>
-      </p:sp>
-      <p:grpSp>
-        <p:nvGrpSpPr>
-          <p:cNvPr id="14" name="Group 13">
-            <a:extLst>
-              <a:ext uri="{FF2B5EF4-FFF2-40B4-BE49-F238E27FC236}">
-                <a16:creationId xmlns:a16="http://schemas.microsoft.com/office/drawing/2014/main" id="{72254538-9AD2-4C48-B2F7-810AEFCE3BE6}"/>
-              </a:ext>
-            </a:extLst>
-          </p:cNvPr>
-          <p:cNvGrpSpPr/>
-          <p:nvPr/>
-        </p:nvGrpSpPr>
-        <p:grpSpPr>
-          <a:xfrm>
-            <a:off x="0" y="1010151"/>
-            <a:ext cx="4447713" cy="4671558"/>
-            <a:chOff x="3114675" y="421042"/>
-            <a:chExt cx="5962650" cy="5962650"/>
-          </a:xfrm>
-        </p:grpSpPr>
-        <p:pic>
-          <p:nvPicPr>
-            <p:cNvPr id="12" name="Picture 11">
-              <a:extLst>
-                <a:ext uri="{FF2B5EF4-FFF2-40B4-BE49-F238E27FC236}">
-                  <a16:creationId xmlns:a16="http://schemas.microsoft.com/office/drawing/2014/main" id="{FA2104B7-B3AA-47E3-BABB-516D570C1C92}"/>
-                </a:ext>
-              </a:extLst>
-            </p:cNvPr>
-            <p:cNvPicPr>
-              <a:picLocks noChangeAspect="1"/>
-            </p:cNvPicPr>
-            <p:nvPr/>
-          </p:nvPicPr>
-          <p:blipFill>
-            <a:blip r:embed="rId3">
-              <a:extLst>
-                <a:ext uri="{28A0092B-C50C-407E-A947-70E740481C1C}">
-                  <a14:useLocalDpi xmlns:a14="http://schemas.microsoft.com/office/drawing/2010/main" val="0"/>
-                </a:ext>
-              </a:extLst>
-            </a:blip>
-            <a:stretch>
-              <a:fillRect/>
-            </a:stretch>
-          </p:blipFill>
-          <p:spPr>
-            <a:xfrm>
-              <a:off x="3114675" y="421042"/>
-              <a:ext cx="5962650" cy="5962650"/>
-            </a:xfrm>
-            <a:prstGeom prst="rect">
-              <a:avLst/>
-            </a:prstGeom>
-          </p:spPr>
-        </p:pic>
-        <p:pic>
-          <p:nvPicPr>
-            <p:cNvPr id="13" name="Picture 12">
-              <a:extLst>
-                <a:ext uri="{FF2B5EF4-FFF2-40B4-BE49-F238E27FC236}">
-                  <a16:creationId xmlns:a16="http://schemas.microsoft.com/office/drawing/2014/main" id="{E17B590E-1039-4240-B122-9B303C25F724}"/>
-                </a:ext>
-              </a:extLst>
-            </p:cNvPr>
-            <p:cNvPicPr>
-              <a:picLocks noChangeAspect="1"/>
-            </p:cNvPicPr>
-            <p:nvPr/>
-          </p:nvPicPr>
-          <p:blipFill>
-            <a:blip r:embed="rId4">
-              <a:extLst>
-                <a:ext uri="{28A0092B-C50C-407E-A947-70E740481C1C}">
-                  <a14:useLocalDpi xmlns:a14="http://schemas.microsoft.com/office/drawing/2010/main" val="0"/>
-                </a:ext>
-              </a:extLst>
-            </a:blip>
-            <a:stretch>
-              <a:fillRect/>
-            </a:stretch>
-          </p:blipFill>
-          <p:spPr>
-            <a:xfrm>
-              <a:off x="4128210" y="1969962"/>
-              <a:ext cx="3932713" cy="2477750"/>
-            </a:xfrm>
-            <a:prstGeom prst="rect">
-              <a:avLst/>
-            </a:prstGeom>
-          </p:spPr>
-        </p:pic>
-      </p:grpSp>
-      <p:sp>
-        <p:nvSpPr>
-          <p:cNvPr id="15" name="TextBox 14">
-            <a:extLst>
-              <a:ext uri="{FF2B5EF4-FFF2-40B4-BE49-F238E27FC236}">
-                <a16:creationId xmlns:a16="http://schemas.microsoft.com/office/drawing/2014/main" id="{9C6EB0CD-1FC8-4EDF-8E15-A7BFCAA3F5EA}"/>
-              </a:ext>
-            </a:extLst>
-          </p:cNvPr>
-          <p:cNvSpPr txBox="1"/>
-          <p:nvPr/>
-        </p:nvSpPr>
-        <p:spPr>
-          <a:xfrm>
-            <a:off x="5163845" y="3080551"/>
-            <a:ext cx="6312023" cy="1938992"/>
-          </a:xfrm>
-          <a:prstGeom prst="rect">
-            <a:avLst/>
-          </a:prstGeom>
-          <a:noFill/>
-        </p:spPr>
-        <p:txBody>
-          <a:bodyPr wrap="square" rtlCol="0">
-            <a:spAutoFit/>
-          </a:bodyPr>
-          <a:lstStyle/>
-          <a:p>
-            <a:r>
-              <a:rPr lang="en-IN" sz="2400" dirty="0"/>
-              <a:t>You can select from the list on our portal or you can let us know if you need anything else.</a:t>
-            </a:r>
-          </a:p>
-          <a:p>
-            <a:endParaRPr lang="en-IN" sz="2400" dirty="0"/>
-          </a:p>
-          <a:p>
-            <a:r>
-              <a:rPr lang="en-IN" sz="2400" dirty="0"/>
-              <a:t>We’ll try our best to satisfy your needs..</a:t>
-            </a:r>
-          </a:p>
-          <a:p>
-            <a:endParaRPr lang="en-IN" sz="2400" dirty="0"/>
-          </a:p>
-        </p:txBody>
-      </p:sp>
-    </p:spTree>
-    <p:extLst>
-      <p:ext uri="{BB962C8B-B14F-4D97-AF65-F5344CB8AC3E}">
-        <p14:creationId xmlns:p14="http://schemas.microsoft.com/office/powerpoint/2010/main" val="4283951791"/>
       </p:ext>
     </p:extLst>
   </p:cSld>
